--- a/Barrierefreiheit Mainstream.pptx
+++ b/Barrierefreiheit Mainstream.pptx
@@ -805,7 +805,7 @@
   <p:cSld>
     <p:spTree>
       <p:nvGrpSpPr>
-        <p:cNvPr id="108" name="Shape 108"/>
+        <p:cNvPr id="109" name="Shape 109"/>
         <p:cNvGrpSpPr/>
         <p:nvPr/>
       </p:nvGrpSpPr>
@@ -819,7 +819,7 @@
       </p:grpSpPr>
       <p:sp>
         <p:nvSpPr>
-          <p:cNvPr id="109" name="Google Shape;109;ga924fddfb4_0_43:notes"/>
+          <p:cNvPr id="110" name="Google Shape;110;ga924fddfb4_0_58:notes"/>
           <p:cNvSpPr/>
           <p:nvPr>
             <p:ph idx="2" type="sldImg"/>
@@ -854,7 +854,7 @@
       </p:sp>
       <p:sp>
         <p:nvSpPr>
-          <p:cNvPr id="110" name="Google Shape;110;ga924fddfb4_0_43:notes"/>
+          <p:cNvPr id="111" name="Google Shape;111;ga924fddfb4_0_58:notes"/>
           <p:cNvSpPr txBox="1"/>
           <p:nvPr>
             <p:ph idx="1" type="body"/>
@@ -904,7 +904,7 @@
   <p:cSld>
     <p:spTree>
       <p:nvGrpSpPr>
-        <p:cNvPr id="116" name="Shape 116"/>
+        <p:cNvPr id="117" name="Shape 117"/>
         <p:cNvGrpSpPr/>
         <p:nvPr/>
       </p:nvGrpSpPr>
@@ -918,7 +918,7 @@
       </p:grpSpPr>
       <p:sp>
         <p:nvSpPr>
-          <p:cNvPr id="117" name="Google Shape;117;ga924fddfb4_0_27:notes"/>
+          <p:cNvPr id="118" name="Google Shape;118;gb297a03ad1_0_2:notes"/>
           <p:cNvSpPr/>
           <p:nvPr>
             <p:ph idx="2" type="sldImg"/>
@@ -953,7 +953,7 @@
       </p:sp>
       <p:sp>
         <p:nvSpPr>
-          <p:cNvPr id="118" name="Google Shape;118;ga924fddfb4_0_27:notes"/>
+          <p:cNvPr id="119" name="Google Shape;119;gb297a03ad1_0_2:notes"/>
           <p:cNvSpPr txBox="1"/>
           <p:nvPr>
             <p:ph idx="1" type="body"/>
@@ -984,7 +984,90 @@
               <a:buNone/>
             </a:pPr>
             <a:r>
+              <a:rPr lang="de"/>
+              <a:t>Farbenfehlsichtigkeit:</a:t>
+            </a:r>
+            <a:endParaRPr/>
+          </a:p>
+          <a:p>
+            <a:pPr indent="-298450" lvl="0" marL="457200" rtl="0" algn="l">
+              <a:spcBef>
+                <a:spcPts val="0"/>
+              </a:spcBef>
+              <a:spcAft>
+                <a:spcPts val="0"/>
+              </a:spcAft>
+              <a:buSzPts val="1100"/>
+              <a:buChar char="-"/>
+            </a:pPr>
+            <a:r>
+              <a:rPr lang="de"/>
+              <a:t>Farbenblindheit</a:t>
+            </a:r>
+            <a:endParaRPr/>
+          </a:p>
+          <a:p>
+            <a:pPr indent="-298450" lvl="0" marL="457200" rtl="0" algn="l">
+              <a:spcBef>
+                <a:spcPts val="0"/>
+              </a:spcBef>
+              <a:spcAft>
+                <a:spcPts val="0"/>
+              </a:spcAft>
+              <a:buSzPts val="1100"/>
+              <a:buChar char="-"/>
+            </a:pPr>
+            <a:r>
+              <a:rPr lang="de"/>
+              <a:t>Rot-Grün-Schwäche</a:t>
+            </a:r>
+            <a:endParaRPr/>
+          </a:p>
+          <a:p>
+            <a:pPr indent="-298450" lvl="0" marL="457200" rtl="0" algn="l">
+              <a:spcBef>
+                <a:spcPts val="0"/>
+              </a:spcBef>
+              <a:spcAft>
+                <a:spcPts val="0"/>
+              </a:spcAft>
+              <a:buSzPts val="1100"/>
+              <a:buChar char="-"/>
+            </a:pPr>
+            <a:r>
+              <a:rPr lang="de"/>
+              <a:t>Linsenveränderungen (auch altersbedingt)</a:t>
+            </a:r>
+            <a:endParaRPr/>
+          </a:p>
+          <a:p>
+            <a:pPr indent="0" lvl="0" marL="0" rtl="0" algn="l">
+              <a:spcBef>
+                <a:spcPts val="0"/>
+              </a:spcBef>
+              <a:spcAft>
+                <a:spcPts val="0"/>
+              </a:spcAft>
+              <a:buNone/>
+            </a:pPr>
+            <a:r>
               <a:t/>
+            </a:r>
+            <a:endParaRPr/>
+          </a:p>
+          <a:p>
+            <a:pPr indent="0" lvl="0" marL="0" rtl="0" algn="l">
+              <a:spcBef>
+                <a:spcPts val="0"/>
+              </a:spcBef>
+              <a:spcAft>
+                <a:spcPts val="0"/>
+              </a:spcAft>
+              <a:buNone/>
+            </a:pPr>
+            <a:r>
+              <a:rPr lang="de"/>
+              <a:t>Konflikte mit Designern möglich (Das sieht nicht gut aus, passt nicht zu unserem Corporate Design)</a:t>
             </a:r>
             <a:endParaRPr/>
           </a:p>
@@ -1003,7 +1086,7 @@
   <p:cSld>
     <p:spTree>
       <p:nvGrpSpPr>
-        <p:cNvPr id="123" name="Shape 123"/>
+        <p:cNvPr id="124" name="Shape 124"/>
         <p:cNvGrpSpPr/>
         <p:nvPr/>
       </p:nvGrpSpPr>
@@ -1017,7 +1100,7 @@
       </p:grpSpPr>
       <p:sp>
         <p:nvSpPr>
-          <p:cNvPr id="124" name="Google Shape;124;ga924fddfb4_0_58:notes"/>
+          <p:cNvPr id="125" name="Google Shape;125;ga924fddfb4_0_27:notes"/>
           <p:cNvSpPr/>
           <p:nvPr>
             <p:ph idx="2" type="sldImg"/>
@@ -1052,7 +1135,7 @@
       </p:sp>
       <p:sp>
         <p:nvSpPr>
-          <p:cNvPr id="125" name="Google Shape;125;ga924fddfb4_0_58:notes"/>
+          <p:cNvPr id="126" name="Google Shape;126;ga924fddfb4_0_27:notes"/>
           <p:cNvSpPr txBox="1"/>
           <p:nvPr>
             <p:ph idx="1" type="body"/>
@@ -1402,7 +1485,17 @@
               <a:buNone/>
             </a:pPr>
             <a:r>
-              <a:t/>
+              <a:rPr lang="de"/>
+              <a:t>Grafik CC BY 4.0 </a:t>
+            </a:r>
+            <a:r>
+              <a:rPr lang="de" u="sng">
+                <a:solidFill>
+                  <a:schemeClr val="hlink"/>
+                </a:solidFill>
+                <a:hlinkClick r:id="rId2"/>
+              </a:rPr>
+              <a:t>Accessibility auditing with react-axe and eslint-plugin-jsx-a11y (web.dev)</a:t>
             </a:r>
             <a:endParaRPr/>
           </a:p>
@@ -2075,7 +2168,7 @@
       </p:grpSpPr>
       <p:sp>
         <p:nvSpPr>
-          <p:cNvPr id="81" name="Google Shape;81;gb297a03ad1_0_2:notes"/>
+          <p:cNvPr id="81" name="Google Shape;81;ga924fddfb4_0_64:notes"/>
           <p:cNvSpPr/>
           <p:nvPr>
             <p:ph idx="2" type="sldImg"/>
@@ -2110,7 +2203,7 @@
       </p:sp>
       <p:sp>
         <p:nvSpPr>
-          <p:cNvPr id="82" name="Google Shape;82;gb297a03ad1_0_2:notes"/>
+          <p:cNvPr id="82" name="Google Shape;82;ga924fddfb4_0_64:notes"/>
           <p:cNvSpPr txBox="1"/>
           <p:nvPr>
             <p:ph idx="1" type="body"/>
@@ -2141,59 +2234,7 @@
               <a:buNone/>
             </a:pPr>
             <a:r>
-              <a:rPr lang="de"/>
-              <a:t>Farbenfehlsichtigkeit:</a:t>
-            </a:r>
-            <a:endParaRPr/>
-          </a:p>
-          <a:p>
-            <a:pPr indent="-298450" lvl="0" marL="457200" rtl="0" algn="l">
-              <a:spcBef>
-                <a:spcPts val="0"/>
-              </a:spcBef>
-              <a:spcAft>
-                <a:spcPts val="0"/>
-              </a:spcAft>
-              <a:buSzPts val="1100"/>
-              <a:buChar char="-"/>
-            </a:pPr>
-            <a:r>
-              <a:rPr lang="de"/>
-              <a:t>Farbenblindheit</a:t>
-            </a:r>
-            <a:endParaRPr/>
-          </a:p>
-          <a:p>
-            <a:pPr indent="-298450" lvl="0" marL="457200" rtl="0" algn="l">
-              <a:spcBef>
-                <a:spcPts val="0"/>
-              </a:spcBef>
-              <a:spcAft>
-                <a:spcPts val="0"/>
-              </a:spcAft>
-              <a:buSzPts val="1100"/>
-              <a:buChar char="-"/>
-            </a:pPr>
-            <a:r>
-              <a:rPr lang="de"/>
-              <a:t>Rot-Grün-Schwäche</a:t>
-            </a:r>
-            <a:endParaRPr/>
-          </a:p>
-          <a:p>
-            <a:pPr indent="-298450" lvl="0" marL="457200" rtl="0" algn="l">
-              <a:spcBef>
-                <a:spcPts val="0"/>
-              </a:spcBef>
-              <a:spcAft>
-                <a:spcPts val="0"/>
-              </a:spcAft>
-              <a:buSzPts val="1100"/>
-              <a:buChar char="-"/>
-            </a:pPr>
-            <a:r>
-              <a:rPr lang="de"/>
-              <a:t>Linsenveränderungen (auch altersbedingt)</a:t>
+              <a:t/>
             </a:r>
             <a:endParaRPr/>
           </a:p>
@@ -2226,7 +2267,7 @@
       </p:grpSpPr>
       <p:sp>
         <p:nvSpPr>
-          <p:cNvPr id="88" name="Google Shape;88;ga924fddfb4_0_64:notes"/>
+          <p:cNvPr id="88" name="Google Shape;88;ga924fddfb4_0_33:notes"/>
           <p:cNvSpPr/>
           <p:nvPr>
             <p:ph idx="2" type="sldImg"/>
@@ -2261,7 +2302,7 @@
       </p:sp>
       <p:sp>
         <p:nvSpPr>
-          <p:cNvPr id="89" name="Google Shape;89;ga924fddfb4_0_64:notes"/>
+          <p:cNvPr id="89" name="Google Shape;89;ga924fddfb4_0_33:notes"/>
           <p:cNvSpPr txBox="1"/>
           <p:nvPr>
             <p:ph idx="1" type="body"/>
@@ -2292,7 +2333,8 @@
               <a:buNone/>
             </a:pPr>
             <a:r>
-              <a:t/>
+              <a:rPr lang="de"/>
+              <a:t>Entwicklerkompatibel, mögliche Wahl für konstruktive QS</a:t>
             </a:r>
             <a:endParaRPr/>
           </a:p>
@@ -2325,7 +2367,7 @@
       </p:grpSpPr>
       <p:sp>
         <p:nvSpPr>
-          <p:cNvPr id="95" name="Google Shape;95;ga924fddfb4_0_33:notes"/>
+          <p:cNvPr id="95" name="Google Shape;95;ga924fddfb4_0_82:notes"/>
           <p:cNvSpPr/>
           <p:nvPr>
             <p:ph idx="2" type="sldImg"/>
@@ -2360,7 +2402,7 @@
       </p:sp>
       <p:sp>
         <p:nvSpPr>
-          <p:cNvPr id="96" name="Google Shape;96;ga924fddfb4_0_33:notes"/>
+          <p:cNvPr id="96" name="Google Shape;96;ga924fddfb4_0_82:notes"/>
           <p:cNvSpPr txBox="1"/>
           <p:nvPr>
             <p:ph idx="1" type="body"/>
@@ -2391,8 +2433,7 @@
               <a:buNone/>
             </a:pPr>
             <a:r>
-              <a:rPr lang="de"/>
-              <a:t>Entwicklerkompatibel, mögliche Wahl für konstruktive QS</a:t>
+              <a:t/>
             </a:r>
             <a:endParaRPr/>
           </a:p>
@@ -2425,7 +2466,7 @@
       </p:grpSpPr>
       <p:sp>
         <p:nvSpPr>
-          <p:cNvPr id="102" name="Google Shape;102;ga924fddfb4_0_82:notes"/>
+          <p:cNvPr id="102" name="Google Shape;102;ga924fddfb4_0_43:notes"/>
           <p:cNvSpPr/>
           <p:nvPr>
             <p:ph idx="2" type="sldImg"/>
@@ -2460,7 +2501,7 @@
       </p:sp>
       <p:sp>
         <p:nvSpPr>
-          <p:cNvPr id="103" name="Google Shape;103;ga924fddfb4_0_82:notes"/>
+          <p:cNvPr id="103" name="Google Shape;103;ga924fddfb4_0_43:notes"/>
           <p:cNvSpPr txBox="1"/>
           <p:nvPr>
             <p:ph idx="1" type="body"/>
@@ -7270,7 +7311,7 @@
   <p:cSld>
     <p:spTree>
       <p:nvGrpSpPr>
-        <p:cNvPr id="111" name="Shape 111"/>
+        <p:cNvPr id="112" name="Shape 112"/>
         <p:cNvGrpSpPr/>
         <p:nvPr/>
       </p:nvGrpSpPr>
@@ -7284,7 +7325,7 @@
       </p:grpSpPr>
       <p:sp>
         <p:nvSpPr>
-          <p:cNvPr id="112" name="Google Shape;112;p22"/>
+          <p:cNvPr id="113" name="Google Shape;113;p22"/>
           <p:cNvSpPr txBox="1"/>
           <p:nvPr>
             <p:ph type="title"/>
@@ -7316,7 +7357,7 @@
             </a:pPr>
             <a:r>
               <a:rPr lang="de"/>
-              <a:t>Die Axt im Web - axe-core</a:t>
+              <a:t>Sehr speziell: Screen Reader</a:t>
             </a:r>
             <a:endParaRPr/>
           </a:p>
@@ -7324,7 +7365,7 @@
       </p:sp>
       <p:sp>
         <p:nvSpPr>
-          <p:cNvPr id="113" name="Google Shape;113;p22"/>
+          <p:cNvPr id="114" name="Google Shape;114;p22"/>
           <p:cNvSpPr txBox="1"/>
           <p:nvPr>
             <p:ph idx="1" type="body"/>
@@ -7355,70 +7396,87 @@
               <a:buNone/>
             </a:pPr>
             <a:r>
-              <a:rPr lang="de"/>
-              <a:t>Browser Erweiterung für Chrome &amp; Firefox</a:t>
+              <a:rPr lang="de">
+                <a:solidFill>
+                  <a:srgbClr val="38761D"/>
+                </a:solidFill>
+              </a:rPr>
+              <a:t>+PRO</a:t>
+            </a:r>
+            <a:endParaRPr>
+              <a:solidFill>
+                <a:srgbClr val="38761D"/>
+              </a:solidFill>
+            </a:endParaRPr>
+          </a:p>
+          <a:p>
+            <a:pPr indent="0" lvl="0" marL="0" rtl="0" algn="l">
+              <a:spcBef>
+                <a:spcPts val="1600"/>
+              </a:spcBef>
+              <a:spcAft>
+                <a:spcPts val="0"/>
+              </a:spcAft>
+              <a:buNone/>
+            </a:pPr>
+            <a:r>
+              <a:rPr lang="de">
+                <a:solidFill>
+                  <a:srgbClr val="000000"/>
+                </a:solidFill>
+              </a:rPr>
+              <a:t>NVDA ist frei verfügbar</a:t>
+            </a:r>
+            <a:endParaRPr>
+              <a:solidFill>
+                <a:srgbClr val="000000"/>
+              </a:solidFill>
+            </a:endParaRPr>
+          </a:p>
+          <a:p>
+            <a:pPr indent="0" lvl="0" marL="0" rtl="0" algn="l">
+              <a:spcBef>
+                <a:spcPts val="1600"/>
+              </a:spcBef>
+              <a:spcAft>
+                <a:spcPts val="0"/>
+              </a:spcAft>
+              <a:buNone/>
+            </a:pPr>
+            <a:r>
+              <a:rPr lang="de">
+                <a:solidFill>
+                  <a:srgbClr val="000000"/>
+                </a:solidFill>
+              </a:rPr>
+              <a:t>Realistischer Test</a:t>
+            </a:r>
+            <a:endParaRPr>
+              <a:solidFill>
+                <a:srgbClr val="000000"/>
+              </a:solidFill>
+            </a:endParaRPr>
+          </a:p>
+          <a:p>
+            <a:pPr indent="0" lvl="0" marL="0" rtl="0" algn="l">
+              <a:spcBef>
+                <a:spcPts val="1600"/>
+              </a:spcBef>
+              <a:spcAft>
+                <a:spcPts val="1600"/>
+              </a:spcAft>
+              <a:buNone/>
+            </a:pPr>
+            <a:r>
+              <a:t/>
             </a:r>
             <a:endParaRPr/>
-          </a:p>
-          <a:p>
-            <a:pPr indent="0" lvl="0" marL="0" rtl="0" algn="l">
-              <a:spcBef>
-                <a:spcPts val="1600"/>
-              </a:spcBef>
-              <a:spcAft>
-                <a:spcPts val="0"/>
-              </a:spcAft>
-              <a:buNone/>
-            </a:pPr>
-            <a:r>
-              <a:rPr lang="de"/>
-              <a:t>Kommerzieller Anbieter Deque - </a:t>
-            </a:r>
-            <a:br>
-              <a:rPr lang="de"/>
-            </a:br>
-            <a:r>
-              <a:rPr lang="de"/>
-              <a:t>Open Source Tool</a:t>
-            </a:r>
-            <a:endParaRPr/>
-          </a:p>
-          <a:p>
-            <a:pPr indent="0" lvl="0" marL="0" rtl="0" algn="l">
-              <a:spcBef>
-                <a:spcPts val="1600"/>
-              </a:spcBef>
-              <a:spcAft>
-                <a:spcPts val="0"/>
-              </a:spcAft>
-              <a:buNone/>
-            </a:pPr>
-            <a:r>
-              <a:t/>
-            </a:r>
-            <a:endParaRPr/>
-          </a:p>
-          <a:p>
-            <a:pPr indent="0" lvl="0" marL="0" rtl="0" algn="l">
-              <a:spcBef>
-                <a:spcPts val="1600"/>
-              </a:spcBef>
-              <a:spcAft>
-                <a:spcPts val="1600"/>
-              </a:spcAft>
-              <a:buNone/>
-            </a:pPr>
-            <a:r>
-              <a:rPr b="1" lang="de"/>
-              <a:t>Ab hier ist der Tester gefordert!</a:t>
-            </a:r>
-            <a:endParaRPr b="1"/>
           </a:p>
         </p:txBody>
       </p:sp>
       <p:sp>
         <p:nvSpPr>
-          <p:cNvPr id="114" name="Google Shape;114;p22"/>
+          <p:cNvPr id="115" name="Google Shape;115;p22"/>
           <p:cNvSpPr txBox="1"/>
           <p:nvPr>
             <p:ph idx="2" type="body"/>
@@ -7444,6 +7502,78 @@
                 <a:spcPts val="0"/>
               </a:spcBef>
               <a:spcAft>
+                <a:spcPts val="0"/>
+              </a:spcAft>
+              <a:buNone/>
+            </a:pPr>
+            <a:r>
+              <a:rPr lang="de">
+                <a:solidFill>
+                  <a:srgbClr val="FF0000"/>
+                </a:solidFill>
+              </a:rPr>
+              <a:t>-KONTRA</a:t>
+            </a:r>
+            <a:endParaRPr>
+              <a:solidFill>
+                <a:srgbClr val="FF0000"/>
+              </a:solidFill>
+            </a:endParaRPr>
+          </a:p>
+          <a:p>
+            <a:pPr indent="0" lvl="0" marL="0" rtl="0" algn="l">
+              <a:spcBef>
+                <a:spcPts val="1600"/>
+              </a:spcBef>
+              <a:spcAft>
+                <a:spcPts val="0"/>
+              </a:spcAft>
+              <a:buNone/>
+            </a:pPr>
+            <a:r>
+              <a:rPr lang="de">
+                <a:solidFill>
+                  <a:srgbClr val="000000"/>
+                </a:solidFill>
+              </a:rPr>
+              <a:t>Screen Reader Tests sind keine Pflicht</a:t>
+            </a:r>
+            <a:endParaRPr>
+              <a:solidFill>
+                <a:srgbClr val="000000"/>
+              </a:solidFill>
+            </a:endParaRPr>
+          </a:p>
+          <a:p>
+            <a:pPr indent="0" lvl="0" marL="0" rtl="0" algn="l">
+              <a:spcBef>
+                <a:spcPts val="1600"/>
+              </a:spcBef>
+              <a:spcAft>
+                <a:spcPts val="0"/>
+              </a:spcAft>
+              <a:buNone/>
+            </a:pPr>
+            <a:r>
+              <a:rPr lang="de">
+                <a:solidFill>
+                  <a:srgbClr val="000000"/>
+                </a:solidFill>
+              </a:rPr>
+              <a:t>Aufwendige Einarbeitung</a:t>
+            </a:r>
+            <a:endParaRPr>
+              <a:solidFill>
+                <a:srgbClr val="000000"/>
+              </a:solidFill>
+            </a:endParaRPr>
+          </a:p>
+          <a:p>
+            <a:pPr indent="0" lvl="0" marL="0" rtl="0" algn="l">
+              <a:spcBef>
+                <a:spcPts val="1600"/>
+              </a:spcBef>
+              <a:spcAft>
                 <a:spcPts val="1600"/>
               </a:spcAft>
               <a:buNone/>
@@ -7455,23 +7585,16 @@
           </a:p>
         </p:txBody>
       </p:sp>
-      <p:pic>
-        <p:nvPicPr>
-          <p:cNvPr id="115" name="Google Shape;115;p22"/>
-          <p:cNvPicPr preferRelativeResize="0"/>
+      <p:sp>
+        <p:nvSpPr>
+          <p:cNvPr id="116" name="Google Shape;116;p22"/>
+          <p:cNvSpPr txBox="1"/>
           <p:nvPr/>
-        </p:nvPicPr>
-        <p:blipFill rotWithShape="1">
-          <a:blip r:embed="rId3">
-            <a:alphaModFix/>
-          </a:blip>
-          <a:srcRect b="33576" l="0" r="0" t="0"/>
-          <a:stretch/>
-        </p:blipFill>
+        </p:nvSpPr>
         <p:spPr>
           <a:xfrm>
-            <a:off x="4832400" y="1152475"/>
-            <a:ext cx="3793749" cy="3416401"/>
+            <a:off x="311700" y="2951075"/>
+            <a:ext cx="8520600" cy="1446600"/>
           </a:xfrm>
           <a:prstGeom prst="rect">
             <a:avLst/>
@@ -7481,7 +7604,91 @@
             <a:noFill/>
           </a:ln>
         </p:spPr>
-      </p:pic>
+        <p:txBody>
+          <a:bodyPr anchorCtr="0" anchor="t" bIns="91425" lIns="91425" spcFirstLastPara="1" rIns="91425" wrap="square" tIns="91425">
+            <a:noAutofit/>
+          </a:bodyPr>
+          <a:lstStyle/>
+          <a:p>
+            <a:pPr indent="0" lvl="0" marL="0" rtl="0" algn="ctr">
+              <a:spcBef>
+                <a:spcPts val="0"/>
+              </a:spcBef>
+              <a:spcAft>
+                <a:spcPts val="0"/>
+              </a:spcAft>
+              <a:buNone/>
+            </a:pPr>
+            <a:r>
+              <a:rPr b="1" lang="de"/>
+              <a:t>Arbeiten mit einem Desktop Screen Reader ist nicht intuitiv. </a:t>
+            </a:r>
+            <a:endParaRPr b="1"/>
+          </a:p>
+          <a:p>
+            <a:pPr indent="0" lvl="0" marL="0" rtl="0" algn="ctr">
+              <a:spcBef>
+                <a:spcPts val="0"/>
+              </a:spcBef>
+              <a:spcAft>
+                <a:spcPts val="0"/>
+              </a:spcAft>
+              <a:buNone/>
+            </a:pPr>
+            <a:r>
+              <a:t/>
+            </a:r>
+            <a:endParaRPr b="1"/>
+          </a:p>
+          <a:p>
+            <a:pPr indent="0" lvl="0" marL="0" rtl="0" algn="ctr">
+              <a:spcBef>
+                <a:spcPts val="0"/>
+              </a:spcBef>
+              <a:spcAft>
+                <a:spcPts val="0"/>
+              </a:spcAft>
+              <a:buNone/>
+            </a:pPr>
+            <a:r>
+              <a:rPr b="1" lang="de"/>
+              <a:t>Es ist ein Hilfsmittel mit eigenem Bedienkonzept.</a:t>
+            </a:r>
+            <a:endParaRPr b="1"/>
+          </a:p>
+          <a:p>
+            <a:pPr indent="0" lvl="0" marL="0" rtl="0" algn="ctr">
+              <a:spcBef>
+                <a:spcPts val="0"/>
+              </a:spcBef>
+              <a:spcAft>
+                <a:spcPts val="0"/>
+              </a:spcAft>
+              <a:buNone/>
+            </a:pPr>
+            <a:r>
+              <a:t/>
+            </a:r>
+            <a:endParaRPr b="1"/>
+          </a:p>
+          <a:p>
+            <a:pPr indent="0" lvl="0" marL="0" rtl="0" algn="ctr">
+              <a:spcBef>
+                <a:spcPts val="0"/>
+              </a:spcBef>
+              <a:spcAft>
+                <a:spcPts val="0"/>
+              </a:spcAft>
+              <a:buNone/>
+            </a:pPr>
+            <a:r>
+              <a:rPr b="1" lang="de"/>
+              <a:t>Android TalkBack und iOS VoiceOver bitte gesondert betrachten.</a:t>
+            </a:r>
+            <a:endParaRPr b="1"/>
+          </a:p>
+        </p:txBody>
+      </p:sp>
     </p:spTree>
   </p:cSld>
   <p:clrMapOvr>
@@ -7495,7 +7702,7 @@
   <p:cSld>
     <p:spTree>
       <p:nvGrpSpPr>
-        <p:cNvPr id="119" name="Shape 119"/>
+        <p:cNvPr id="120" name="Shape 120"/>
         <p:cNvGrpSpPr/>
         <p:nvPr/>
       </p:nvGrpSpPr>
@@ -7509,7 +7716,7 @@
       </p:grpSpPr>
       <p:sp>
         <p:nvSpPr>
-          <p:cNvPr id="120" name="Google Shape;120;p23"/>
+          <p:cNvPr id="121" name="Google Shape;121;p23"/>
           <p:cNvSpPr txBox="1"/>
           <p:nvPr>
             <p:ph type="title"/>
@@ -7541,7 +7748,7 @@
             </a:pPr>
             <a:r>
               <a:rPr lang="de"/>
-              <a:t>Semantik mit ARIA Attributen</a:t>
+              <a:t>Die Sache mit dem Kontrast</a:t>
             </a:r>
             <a:endParaRPr/>
           </a:p>
@@ -7549,7 +7756,7 @@
       </p:sp>
       <p:sp>
         <p:nvSpPr>
-          <p:cNvPr id="121" name="Google Shape;121;p23"/>
+          <p:cNvPr id="122" name="Google Shape;122;p23"/>
           <p:cNvSpPr txBox="1"/>
           <p:nvPr>
             <p:ph idx="1" type="body"/>
@@ -7577,6 +7784,195 @@
               <a:spcAft>
                 <a:spcPts val="0"/>
               </a:spcAft>
+              <a:buNone/>
+            </a:pPr>
+            <a:r>
+              <a:rPr lang="de">
+                <a:solidFill>
+                  <a:srgbClr val="000000"/>
+                </a:solidFill>
+              </a:rPr>
+              <a:t>Regeln beachten</a:t>
+            </a:r>
+            <a:endParaRPr>
+              <a:solidFill>
+                <a:srgbClr val="000000"/>
+              </a:solidFill>
+            </a:endParaRPr>
+          </a:p>
+          <a:p>
+            <a:pPr indent="0" lvl="0" marL="0" rtl="0" algn="l">
+              <a:spcBef>
+                <a:spcPts val="1600"/>
+              </a:spcBef>
+              <a:spcAft>
+                <a:spcPts val="0"/>
+              </a:spcAft>
+              <a:buNone/>
+            </a:pPr>
+            <a:r>
+              <a:rPr lang="de">
+                <a:solidFill>
+                  <a:srgbClr val="000000"/>
+                </a:solidFill>
+              </a:rPr>
+              <a:t>Farbenfehlsichtigkeit differenzieren</a:t>
+            </a:r>
+            <a:endParaRPr>
+              <a:solidFill>
+                <a:srgbClr val="000000"/>
+              </a:solidFill>
+            </a:endParaRPr>
+          </a:p>
+          <a:p>
+            <a:pPr indent="0" lvl="0" marL="0" rtl="0" algn="l">
+              <a:spcBef>
+                <a:spcPts val="1600"/>
+              </a:spcBef>
+              <a:spcAft>
+                <a:spcPts val="1600"/>
+              </a:spcAft>
+              <a:buNone/>
+            </a:pPr>
+            <a:r>
+              <a:rPr lang="de">
+                <a:solidFill>
+                  <a:srgbClr val="000000"/>
+                </a:solidFill>
+              </a:rPr>
+              <a:t>Designkonflikte auflösen</a:t>
+            </a:r>
+            <a:endParaRPr>
+              <a:solidFill>
+                <a:srgbClr val="000000"/>
+              </a:solidFill>
+            </a:endParaRPr>
+          </a:p>
+        </p:txBody>
+      </p:sp>
+      <p:pic>
+        <p:nvPicPr>
+          <p:cNvPr id="123" name="Google Shape;123;p23"/>
+          <p:cNvPicPr preferRelativeResize="0"/>
+          <p:nvPr/>
+        </p:nvPicPr>
+        <p:blipFill>
+          <a:blip r:embed="rId3">
+            <a:alphaModFix/>
+          </a:blip>
+          <a:stretch>
+            <a:fillRect/>
+          </a:stretch>
+        </p:blipFill>
+        <p:spPr>
+          <a:xfrm>
+            <a:off x="4832400" y="1152475"/>
+            <a:ext cx="3416400" cy="3416400"/>
+          </a:xfrm>
+          <a:prstGeom prst="rect">
+            <a:avLst/>
+          </a:prstGeom>
+          <a:noFill/>
+          <a:ln>
+            <a:noFill/>
+          </a:ln>
+        </p:spPr>
+      </p:pic>
+    </p:spTree>
+  </p:cSld>
+  <p:clrMapOvr>
+    <a:masterClrMapping/>
+  </p:clrMapOvr>
+</p:sld>
+</file>
+
+<file path=ppt/slides/slide12.xml><?xml version="1.0" encoding="utf-8"?>
+<p:sld xmlns:a="http://schemas.openxmlformats.org/drawingml/2006/main" xmlns:r="http://schemas.openxmlformats.org/officeDocument/2006/relationships" xmlns:mc="http://schemas.openxmlformats.org/markup-compatibility/2006" xmlns:mv="urn:schemas-microsoft-com:mac:vml" xmlns:p="http://schemas.openxmlformats.org/presentationml/2006/main" xmlns:c="http://schemas.openxmlformats.org/drawingml/2006/chart" xmlns:dgm="http://schemas.openxmlformats.org/drawingml/2006/diagram" xmlns:o="urn:schemas-microsoft-com:office:office" xmlns:v="urn:schemas-microsoft-com:vml" xmlns:pvml="urn:schemas-microsoft-com:office:powerpoint" xmlns:com="http://schemas.openxmlformats.org/drawingml/2006/compatibility" xmlns:p14="http://schemas.microsoft.com/office/powerpoint/2010/main" xmlns:p15="http://schemas.microsoft.com/office/powerpoint/2012/main" xmlns:ahyp="http://schemas.microsoft.com/office/drawing/2018/hyperlinkcolor">
+  <p:cSld>
+    <p:spTree>
+      <p:nvGrpSpPr>
+        <p:cNvPr id="127" name="Shape 127"/>
+        <p:cNvGrpSpPr/>
+        <p:nvPr/>
+      </p:nvGrpSpPr>
+      <p:grpSpPr>
+        <a:xfrm>
+          <a:off x="0" y="0"/>
+          <a:ext cx="0" cy="0"/>
+          <a:chOff x="0" y="0"/>
+          <a:chExt cx="0" cy="0"/>
+        </a:xfrm>
+      </p:grpSpPr>
+      <p:sp>
+        <p:nvSpPr>
+          <p:cNvPr id="128" name="Google Shape;128;p24"/>
+          <p:cNvSpPr txBox="1"/>
+          <p:nvPr>
+            <p:ph type="title"/>
+          </p:nvPr>
+        </p:nvSpPr>
+        <p:spPr>
+          <a:xfrm>
+            <a:off x="311700" y="445025"/>
+            <a:ext cx="8520600" cy="572700"/>
+          </a:xfrm>
+          <a:prstGeom prst="rect">
+            <a:avLst/>
+          </a:prstGeom>
+        </p:spPr>
+        <p:txBody>
+          <a:bodyPr anchorCtr="0" anchor="t" bIns="91425" lIns="91425" spcFirstLastPara="1" rIns="91425" wrap="square" tIns="91425">
+            <a:noAutofit/>
+          </a:bodyPr>
+          <a:lstStyle/>
+          <a:p>
+            <a:pPr indent="0" lvl="0" marL="0" rtl="0" algn="l">
+              <a:spcBef>
+                <a:spcPts val="0"/>
+              </a:spcBef>
+              <a:spcAft>
+                <a:spcPts val="0"/>
+              </a:spcAft>
+              <a:buNone/>
+            </a:pPr>
+            <a:r>
+              <a:rPr lang="de"/>
+              <a:t>Semantik mit ARIA Attributen</a:t>
+            </a:r>
+            <a:endParaRPr/>
+          </a:p>
+        </p:txBody>
+      </p:sp>
+      <p:sp>
+        <p:nvSpPr>
+          <p:cNvPr id="129" name="Google Shape;129;p24"/>
+          <p:cNvSpPr txBox="1"/>
+          <p:nvPr>
+            <p:ph idx="1" type="body"/>
+          </p:nvPr>
+        </p:nvSpPr>
+        <p:spPr>
+          <a:xfrm>
+            <a:off x="311700" y="1152475"/>
+            <a:ext cx="3999900" cy="3416400"/>
+          </a:xfrm>
+          <a:prstGeom prst="rect">
+            <a:avLst/>
+          </a:prstGeom>
+        </p:spPr>
+        <p:txBody>
+          <a:bodyPr anchorCtr="0" anchor="t" bIns="91425" lIns="91425" spcFirstLastPara="1" rIns="91425" wrap="square" tIns="91425">
+            <a:noAutofit/>
+          </a:bodyPr>
+          <a:lstStyle/>
+          <a:p>
+            <a:pPr indent="0" lvl="0" marL="0" rtl="0" algn="l">
+              <a:spcBef>
+                <a:spcPts val="0"/>
+              </a:spcBef>
+              <a:spcAft>
+                <a:spcPts val="0"/>
+              </a:spcAft>
               <a:buClr>
                 <a:schemeClr val="dk1"/>
               </a:buClr>
@@ -7585,45 +7981,89 @@
               <a:buNone/>
             </a:pPr>
             <a:r>
-              <a:rPr lang="de"/>
+              <a:rPr lang="de">
+                <a:solidFill>
+                  <a:srgbClr val="000000"/>
+                </a:solidFill>
+              </a:rPr>
               <a:t>Web Accessibility Initiative – </a:t>
             </a:r>
             <a:br>
-              <a:rPr lang="de"/>
+              <a:rPr lang="de">
+                <a:solidFill>
+                  <a:srgbClr val="000000"/>
+                </a:solidFill>
+              </a:rPr>
             </a:br>
             <a:r>
-              <a:rPr b="1" lang="de"/>
+              <a:rPr b="1" lang="de">
+                <a:solidFill>
+                  <a:srgbClr val="000000"/>
+                </a:solidFill>
+              </a:rPr>
               <a:t>A</a:t>
             </a:r>
             <a:r>
-              <a:rPr lang="de"/>
+              <a:rPr lang="de">
+                <a:solidFill>
+                  <a:srgbClr val="000000"/>
+                </a:solidFill>
+              </a:rPr>
               <a:t>ccessible </a:t>
             </a:r>
             <a:r>
-              <a:rPr b="1" lang="de"/>
+              <a:rPr b="1" lang="de">
+                <a:solidFill>
+                  <a:srgbClr val="000000"/>
+                </a:solidFill>
+              </a:rPr>
               <a:t>R</a:t>
             </a:r>
             <a:r>
-              <a:rPr lang="de"/>
+              <a:rPr lang="de">
+                <a:solidFill>
+                  <a:srgbClr val="000000"/>
+                </a:solidFill>
+              </a:rPr>
               <a:t>ich </a:t>
             </a:r>
             <a:r>
-              <a:rPr b="1" lang="de"/>
+              <a:rPr b="1" lang="de">
+                <a:solidFill>
+                  <a:srgbClr val="000000"/>
+                </a:solidFill>
+              </a:rPr>
               <a:t>I</a:t>
             </a:r>
             <a:r>
-              <a:rPr lang="de"/>
+              <a:rPr lang="de">
+                <a:solidFill>
+                  <a:srgbClr val="000000"/>
+                </a:solidFill>
+              </a:rPr>
               <a:t>nternet </a:t>
             </a:r>
             <a:r>
-              <a:rPr b="1" lang="de"/>
+              <a:rPr b="1" lang="de">
+                <a:solidFill>
+                  <a:srgbClr val="000000"/>
+                </a:solidFill>
+              </a:rPr>
               <a:t>A</a:t>
             </a:r>
             <a:r>
-              <a:rPr lang="de"/>
+              <a:rPr lang="de">
+                <a:solidFill>
+                  <a:srgbClr val="000000"/>
+                </a:solidFill>
+              </a:rPr>
               <a:t>pplications</a:t>
             </a:r>
-            <a:endParaRPr/>
+            <a:endParaRPr>
+              <a:solidFill>
+                <a:srgbClr val="000000"/>
+              </a:solidFill>
+            </a:endParaRPr>
           </a:p>
           <a:p>
             <a:pPr indent="0" lvl="0" marL="0" rtl="0" algn="l">
@@ -7636,10 +8076,18 @@
               <a:buNone/>
             </a:pPr>
             <a:r>
-              <a:rPr lang="de"/>
+              <a:rPr lang="de">
+                <a:solidFill>
+                  <a:srgbClr val="000000"/>
+                </a:solidFill>
+              </a:rPr>
               <a:t>Seit März 2014 empfohlener W3C Webstandard </a:t>
             </a:r>
-            <a:endParaRPr/>
+            <a:endParaRPr>
+              <a:solidFill>
+                <a:srgbClr val="000000"/>
+              </a:solidFill>
+            </a:endParaRPr>
           </a:p>
           <a:p>
             <a:pPr indent="0" lvl="0" marL="0" rtl="0" algn="l">
@@ -7659,7 +8107,11 @@
             <a:r>
               <a:t/>
             </a:r>
-            <a:endParaRPr/>
+            <a:endParaRPr>
+              <a:solidFill>
+                <a:srgbClr val="000000"/>
+              </a:solidFill>
+            </a:endParaRPr>
           </a:p>
           <a:p>
             <a:pPr indent="0" lvl="0" marL="0" rtl="0" algn="l">
@@ -7672,16 +8124,24 @@
               <a:buNone/>
             </a:pPr>
             <a:r>
-              <a:rPr b="1" lang="de"/>
+              <a:rPr b="1" lang="de">
+                <a:solidFill>
+                  <a:srgbClr val="000000"/>
+                </a:solidFill>
+              </a:rPr>
               <a:t>Hier ist unser Verstand und unsere Erfahrung gefragt!</a:t>
             </a:r>
-            <a:endParaRPr b="1"/>
+            <a:endParaRPr b="1">
+              <a:solidFill>
+                <a:srgbClr val="000000"/>
+              </a:solidFill>
+            </a:endParaRPr>
           </a:p>
         </p:txBody>
       </p:sp>
       <p:pic>
         <p:nvPicPr>
-          <p:cNvPr id="122" name="Google Shape;122;p23"/>
+          <p:cNvPr id="130" name="Google Shape;130;p24"/>
           <p:cNvPicPr preferRelativeResize="0"/>
           <p:nvPr/>
         </p:nvPicPr>
@@ -7707,397 +8167,6 @@
           </a:ln>
         </p:spPr>
       </p:pic>
-    </p:spTree>
-  </p:cSld>
-  <p:clrMapOvr>
-    <a:masterClrMapping/>
-  </p:clrMapOvr>
-</p:sld>
-</file>
-
-<file path=ppt/slides/slide12.xml><?xml version="1.0" encoding="utf-8"?>
-<p:sld xmlns:a="http://schemas.openxmlformats.org/drawingml/2006/main" xmlns:r="http://schemas.openxmlformats.org/officeDocument/2006/relationships" xmlns:mc="http://schemas.openxmlformats.org/markup-compatibility/2006" xmlns:mv="urn:schemas-microsoft-com:mac:vml" xmlns:p="http://schemas.openxmlformats.org/presentationml/2006/main" xmlns:c="http://schemas.openxmlformats.org/drawingml/2006/chart" xmlns:dgm="http://schemas.openxmlformats.org/drawingml/2006/diagram" xmlns:o="urn:schemas-microsoft-com:office:office" xmlns:v="urn:schemas-microsoft-com:vml" xmlns:pvml="urn:schemas-microsoft-com:office:powerpoint" xmlns:com="http://schemas.openxmlformats.org/drawingml/2006/compatibility" xmlns:p14="http://schemas.microsoft.com/office/powerpoint/2010/main" xmlns:p15="http://schemas.microsoft.com/office/powerpoint/2012/main" xmlns:ahyp="http://schemas.microsoft.com/office/drawing/2018/hyperlinkcolor">
-  <p:cSld>
-    <p:spTree>
-      <p:nvGrpSpPr>
-        <p:cNvPr id="126" name="Shape 126"/>
-        <p:cNvGrpSpPr/>
-        <p:nvPr/>
-      </p:nvGrpSpPr>
-      <p:grpSpPr>
-        <a:xfrm>
-          <a:off x="0" y="0"/>
-          <a:ext cx="0" cy="0"/>
-          <a:chOff x="0" y="0"/>
-          <a:chExt cx="0" cy="0"/>
-        </a:xfrm>
-      </p:grpSpPr>
-      <p:sp>
-        <p:nvSpPr>
-          <p:cNvPr id="127" name="Google Shape;127;p24"/>
-          <p:cNvSpPr txBox="1"/>
-          <p:nvPr>
-            <p:ph type="title"/>
-          </p:nvPr>
-        </p:nvSpPr>
-        <p:spPr>
-          <a:xfrm>
-            <a:off x="311700" y="445025"/>
-            <a:ext cx="8520600" cy="572700"/>
-          </a:xfrm>
-          <a:prstGeom prst="rect">
-            <a:avLst/>
-          </a:prstGeom>
-        </p:spPr>
-        <p:txBody>
-          <a:bodyPr anchorCtr="0" anchor="t" bIns="91425" lIns="91425" spcFirstLastPara="1" rIns="91425" wrap="square" tIns="91425">
-            <a:noAutofit/>
-          </a:bodyPr>
-          <a:lstStyle/>
-          <a:p>
-            <a:pPr indent="0" lvl="0" marL="0" rtl="0" algn="l">
-              <a:spcBef>
-                <a:spcPts val="0"/>
-              </a:spcBef>
-              <a:spcAft>
-                <a:spcPts val="0"/>
-              </a:spcAft>
-              <a:buNone/>
-            </a:pPr>
-            <a:r>
-              <a:rPr lang="de"/>
-              <a:t>Sehr speziell: Screen Reader</a:t>
-            </a:r>
-            <a:endParaRPr/>
-          </a:p>
-        </p:txBody>
-      </p:sp>
-      <p:sp>
-        <p:nvSpPr>
-          <p:cNvPr id="128" name="Google Shape;128;p24"/>
-          <p:cNvSpPr txBox="1"/>
-          <p:nvPr>
-            <p:ph idx="1" type="body"/>
-          </p:nvPr>
-        </p:nvSpPr>
-        <p:spPr>
-          <a:xfrm>
-            <a:off x="311700" y="1152475"/>
-            <a:ext cx="3999900" cy="3416400"/>
-          </a:xfrm>
-          <a:prstGeom prst="rect">
-            <a:avLst/>
-          </a:prstGeom>
-        </p:spPr>
-        <p:txBody>
-          <a:bodyPr anchorCtr="0" anchor="t" bIns="91425" lIns="91425" spcFirstLastPara="1" rIns="91425" wrap="square" tIns="91425">
-            <a:noAutofit/>
-          </a:bodyPr>
-          <a:lstStyle/>
-          <a:p>
-            <a:pPr indent="0" lvl="0" marL="0" rtl="0" algn="l">
-              <a:spcBef>
-                <a:spcPts val="0"/>
-              </a:spcBef>
-              <a:spcAft>
-                <a:spcPts val="0"/>
-              </a:spcAft>
-              <a:buNone/>
-            </a:pPr>
-            <a:r>
-              <a:rPr lang="de">
-                <a:solidFill>
-                  <a:srgbClr val="38761D"/>
-                </a:solidFill>
-              </a:rPr>
-              <a:t>+PRO</a:t>
-            </a:r>
-            <a:endParaRPr>
-              <a:solidFill>
-                <a:srgbClr val="38761D"/>
-              </a:solidFill>
-            </a:endParaRPr>
-          </a:p>
-          <a:p>
-            <a:pPr indent="0" lvl="0" marL="0" rtl="0" algn="l">
-              <a:spcBef>
-                <a:spcPts val="1600"/>
-              </a:spcBef>
-              <a:spcAft>
-                <a:spcPts val="0"/>
-              </a:spcAft>
-              <a:buNone/>
-            </a:pPr>
-            <a:r>
-              <a:rPr lang="de">
-                <a:solidFill>
-                  <a:srgbClr val="000000"/>
-                </a:solidFill>
-              </a:rPr>
-              <a:t>NVDA ist frei verfügbar</a:t>
-            </a:r>
-            <a:endParaRPr>
-              <a:solidFill>
-                <a:srgbClr val="000000"/>
-              </a:solidFill>
-            </a:endParaRPr>
-          </a:p>
-          <a:p>
-            <a:pPr indent="0" lvl="0" marL="0" rtl="0" algn="l">
-              <a:spcBef>
-                <a:spcPts val="1600"/>
-              </a:spcBef>
-              <a:spcAft>
-                <a:spcPts val="0"/>
-              </a:spcAft>
-              <a:buNone/>
-            </a:pPr>
-            <a:r>
-              <a:rPr lang="de">
-                <a:solidFill>
-                  <a:srgbClr val="000000"/>
-                </a:solidFill>
-              </a:rPr>
-              <a:t>Realistischer Test</a:t>
-            </a:r>
-            <a:endParaRPr>
-              <a:solidFill>
-                <a:srgbClr val="000000"/>
-              </a:solidFill>
-            </a:endParaRPr>
-          </a:p>
-          <a:p>
-            <a:pPr indent="0" lvl="0" marL="0" rtl="0" algn="l">
-              <a:spcBef>
-                <a:spcPts val="1600"/>
-              </a:spcBef>
-              <a:spcAft>
-                <a:spcPts val="1600"/>
-              </a:spcAft>
-              <a:buNone/>
-            </a:pPr>
-            <a:r>
-              <a:t/>
-            </a:r>
-            <a:endParaRPr/>
-          </a:p>
-        </p:txBody>
-      </p:sp>
-      <p:sp>
-        <p:nvSpPr>
-          <p:cNvPr id="129" name="Google Shape;129;p24"/>
-          <p:cNvSpPr txBox="1"/>
-          <p:nvPr>
-            <p:ph idx="2" type="body"/>
-          </p:nvPr>
-        </p:nvSpPr>
-        <p:spPr>
-          <a:xfrm>
-            <a:off x="4832400" y="1152475"/>
-            <a:ext cx="3999900" cy="3416400"/>
-          </a:xfrm>
-          <a:prstGeom prst="rect">
-            <a:avLst/>
-          </a:prstGeom>
-        </p:spPr>
-        <p:txBody>
-          <a:bodyPr anchorCtr="0" anchor="t" bIns="91425" lIns="91425" spcFirstLastPara="1" rIns="91425" wrap="square" tIns="91425">
-            <a:noAutofit/>
-          </a:bodyPr>
-          <a:lstStyle/>
-          <a:p>
-            <a:pPr indent="0" lvl="0" marL="0" rtl="0" algn="l">
-              <a:spcBef>
-                <a:spcPts val="0"/>
-              </a:spcBef>
-              <a:spcAft>
-                <a:spcPts val="0"/>
-              </a:spcAft>
-              <a:buNone/>
-            </a:pPr>
-            <a:r>
-              <a:rPr lang="de">
-                <a:solidFill>
-                  <a:srgbClr val="FF0000"/>
-                </a:solidFill>
-              </a:rPr>
-              <a:t>-KONTRA</a:t>
-            </a:r>
-            <a:endParaRPr>
-              <a:solidFill>
-                <a:srgbClr val="FF0000"/>
-              </a:solidFill>
-            </a:endParaRPr>
-          </a:p>
-          <a:p>
-            <a:pPr indent="0" lvl="0" marL="0" rtl="0" algn="l">
-              <a:spcBef>
-                <a:spcPts val="1600"/>
-              </a:spcBef>
-              <a:spcAft>
-                <a:spcPts val="0"/>
-              </a:spcAft>
-              <a:buNone/>
-            </a:pPr>
-            <a:r>
-              <a:rPr lang="de">
-                <a:solidFill>
-                  <a:srgbClr val="000000"/>
-                </a:solidFill>
-              </a:rPr>
-              <a:t>Screen Reader Tests sind keine Pflicht</a:t>
-            </a:r>
-            <a:endParaRPr>
-              <a:solidFill>
-                <a:srgbClr val="000000"/>
-              </a:solidFill>
-            </a:endParaRPr>
-          </a:p>
-          <a:p>
-            <a:pPr indent="0" lvl="0" marL="0" rtl="0" algn="l">
-              <a:spcBef>
-                <a:spcPts val="1600"/>
-              </a:spcBef>
-              <a:spcAft>
-                <a:spcPts val="0"/>
-              </a:spcAft>
-              <a:buNone/>
-            </a:pPr>
-            <a:r>
-              <a:rPr lang="de">
-                <a:solidFill>
-                  <a:srgbClr val="000000"/>
-                </a:solidFill>
-              </a:rPr>
-              <a:t>Aufwendige Einarbeitung</a:t>
-            </a:r>
-            <a:endParaRPr>
-              <a:solidFill>
-                <a:srgbClr val="000000"/>
-              </a:solidFill>
-            </a:endParaRPr>
-          </a:p>
-          <a:p>
-            <a:pPr indent="0" lvl="0" marL="0" rtl="0" algn="l">
-              <a:spcBef>
-                <a:spcPts val="1600"/>
-              </a:spcBef>
-              <a:spcAft>
-                <a:spcPts val="1600"/>
-              </a:spcAft>
-              <a:buNone/>
-            </a:pPr>
-            <a:r>
-              <a:t/>
-            </a:r>
-            <a:endParaRPr/>
-          </a:p>
-        </p:txBody>
-      </p:sp>
-      <p:sp>
-        <p:nvSpPr>
-          <p:cNvPr id="130" name="Google Shape;130;p24"/>
-          <p:cNvSpPr txBox="1"/>
-          <p:nvPr/>
-        </p:nvSpPr>
-        <p:spPr>
-          <a:xfrm>
-            <a:off x="311700" y="2951075"/>
-            <a:ext cx="8520600" cy="1446600"/>
-          </a:xfrm>
-          <a:prstGeom prst="rect">
-            <a:avLst/>
-          </a:prstGeom>
-          <a:noFill/>
-          <a:ln>
-            <a:noFill/>
-          </a:ln>
-        </p:spPr>
-        <p:txBody>
-          <a:bodyPr anchorCtr="0" anchor="t" bIns="91425" lIns="91425" spcFirstLastPara="1" rIns="91425" wrap="square" tIns="91425">
-            <a:noAutofit/>
-          </a:bodyPr>
-          <a:lstStyle/>
-          <a:p>
-            <a:pPr indent="0" lvl="0" marL="0" rtl="0" algn="ctr">
-              <a:spcBef>
-                <a:spcPts val="0"/>
-              </a:spcBef>
-              <a:spcAft>
-                <a:spcPts val="0"/>
-              </a:spcAft>
-              <a:buNone/>
-            </a:pPr>
-            <a:r>
-              <a:rPr b="1" lang="de"/>
-              <a:t>Arbeiten mit einem Desktop Screen Reader ist nicht intuitiv. </a:t>
-            </a:r>
-            <a:endParaRPr b="1"/>
-          </a:p>
-          <a:p>
-            <a:pPr indent="0" lvl="0" marL="0" rtl="0" algn="ctr">
-              <a:spcBef>
-                <a:spcPts val="0"/>
-              </a:spcBef>
-              <a:spcAft>
-                <a:spcPts val="0"/>
-              </a:spcAft>
-              <a:buNone/>
-            </a:pPr>
-            <a:r>
-              <a:t/>
-            </a:r>
-            <a:endParaRPr b="1"/>
-          </a:p>
-          <a:p>
-            <a:pPr indent="0" lvl="0" marL="0" rtl="0" algn="ctr">
-              <a:spcBef>
-                <a:spcPts val="0"/>
-              </a:spcBef>
-              <a:spcAft>
-                <a:spcPts val="0"/>
-              </a:spcAft>
-              <a:buNone/>
-            </a:pPr>
-            <a:r>
-              <a:rPr b="1" lang="de"/>
-              <a:t>Es ist ein Hilfsmittel mit eigenem Bedienkonzept.</a:t>
-            </a:r>
-            <a:endParaRPr b="1"/>
-          </a:p>
-          <a:p>
-            <a:pPr indent="0" lvl="0" marL="0" rtl="0" algn="ctr">
-              <a:spcBef>
-                <a:spcPts val="0"/>
-              </a:spcBef>
-              <a:spcAft>
-                <a:spcPts val="0"/>
-              </a:spcAft>
-              <a:buNone/>
-            </a:pPr>
-            <a:r>
-              <a:t/>
-            </a:r>
-            <a:endParaRPr b="1"/>
-          </a:p>
-          <a:p>
-            <a:pPr indent="0" lvl="0" marL="0" rtl="0" algn="ctr">
-              <a:spcBef>
-                <a:spcPts val="0"/>
-              </a:spcBef>
-              <a:spcAft>
-                <a:spcPts val="0"/>
-              </a:spcAft>
-              <a:buNone/>
-            </a:pPr>
-            <a:r>
-              <a:rPr b="1" lang="de"/>
-              <a:t>Android TalkBack und iOS VoiceOver bitte gesondert betrachten.</a:t>
-            </a:r>
-            <a:endParaRPr b="1"/>
-          </a:p>
-        </p:txBody>
-      </p:sp>
     </p:spTree>
   </p:cSld>
   <p:clrMapOvr>
@@ -8196,10 +8265,18 @@
               <a:buNone/>
             </a:pPr>
             <a:r>
-              <a:rPr lang="de"/>
+              <a:rPr lang="de">
+                <a:solidFill>
+                  <a:srgbClr val="000000"/>
+                </a:solidFill>
+              </a:rPr>
               <a:t>Ziel ist leichte Verständlichkeit</a:t>
             </a:r>
-            <a:endParaRPr/>
+            <a:endParaRPr>
+              <a:solidFill>
+                <a:srgbClr val="000000"/>
+              </a:solidFill>
+            </a:endParaRPr>
           </a:p>
           <a:p>
             <a:pPr indent="0" lvl="0" marL="0" rtl="0" algn="l">
@@ -8212,10 +8289,18 @@
               <a:buNone/>
             </a:pPr>
             <a:r>
-              <a:rPr lang="de"/>
+              <a:rPr lang="de">
+                <a:solidFill>
+                  <a:srgbClr val="000000"/>
+                </a:solidFill>
+              </a:rPr>
               <a:t>Zielgruppe mit geringer Sprachkompetenz</a:t>
             </a:r>
-            <a:endParaRPr/>
+            <a:endParaRPr>
+              <a:solidFill>
+                <a:srgbClr val="000000"/>
+              </a:solidFill>
+            </a:endParaRPr>
           </a:p>
           <a:p>
             <a:pPr indent="0" lvl="0" marL="0" rtl="0" algn="l">
@@ -8228,10 +8313,18 @@
               <a:buNone/>
             </a:pPr>
             <a:r>
-              <a:rPr lang="de"/>
+              <a:rPr lang="de">
+                <a:solidFill>
+                  <a:srgbClr val="000000"/>
+                </a:solidFill>
+              </a:rPr>
               <a:t>Regeln sind transparent</a:t>
             </a:r>
-            <a:endParaRPr/>
+            <a:endParaRPr>
+              <a:solidFill>
+                <a:srgbClr val="000000"/>
+              </a:solidFill>
+            </a:endParaRPr>
           </a:p>
           <a:p>
             <a:pPr indent="0" lvl="0" marL="0" rtl="0" algn="l">
@@ -8244,10 +8337,18 @@
               <a:buNone/>
             </a:pPr>
             <a:r>
-              <a:rPr lang="de"/>
+              <a:rPr lang="de">
+                <a:solidFill>
+                  <a:srgbClr val="000000"/>
+                </a:solidFill>
+              </a:rPr>
               <a:t>Nur für wesentliche Inhalte gefordert</a:t>
             </a:r>
-            <a:endParaRPr/>
+            <a:endParaRPr>
+              <a:solidFill>
+                <a:srgbClr val="000000"/>
+              </a:solidFill>
+            </a:endParaRPr>
           </a:p>
         </p:txBody>
       </p:sp>
@@ -8284,10 +8385,18 @@
               <a:buNone/>
             </a:pPr>
             <a:r>
-              <a:rPr lang="de"/>
+              <a:rPr lang="de">
+                <a:solidFill>
+                  <a:srgbClr val="000000"/>
+                </a:solidFill>
+              </a:rPr>
               <a:t>Prüfen sollen betroffene Menschen</a:t>
             </a:r>
-            <a:endParaRPr/>
+            <a:endParaRPr>
+              <a:solidFill>
+                <a:srgbClr val="000000"/>
+              </a:solidFill>
+            </a:endParaRPr>
           </a:p>
           <a:p>
             <a:pPr indent="0" lvl="0" marL="0" rtl="0" algn="l">
@@ -8300,10 +8409,18 @@
               <a:buNone/>
             </a:pPr>
             <a:r>
-              <a:rPr lang="de"/>
+              <a:rPr lang="de">
+                <a:solidFill>
+                  <a:srgbClr val="000000"/>
+                </a:solidFill>
+              </a:rPr>
               <a:t>Komplexe Sachverhalte kaum darstellbar</a:t>
             </a:r>
-            <a:endParaRPr/>
+            <a:endParaRPr>
+              <a:solidFill>
+                <a:srgbClr val="000000"/>
+              </a:solidFill>
+            </a:endParaRPr>
           </a:p>
           <a:p>
             <a:pPr indent="0" lvl="0" marL="0" rtl="0" algn="l">
@@ -8316,10 +8433,18 @@
               <a:buNone/>
             </a:pPr>
             <a:r>
-              <a:rPr lang="de"/>
+              <a:rPr lang="de">
+                <a:solidFill>
+                  <a:srgbClr val="000000"/>
+                </a:solidFill>
+              </a:rPr>
               <a:t>Konzept ist umstritten</a:t>
             </a:r>
-            <a:endParaRPr/>
+            <a:endParaRPr>
+              <a:solidFill>
+                <a:srgbClr val="000000"/>
+              </a:solidFill>
+            </a:endParaRPr>
           </a:p>
           <a:p>
             <a:pPr indent="0" lvl="0" marL="0" rtl="0" algn="l">
@@ -8332,10 +8457,18 @@
               <a:buNone/>
             </a:pPr>
             <a:r>
-              <a:rPr lang="de"/>
+              <a:rPr lang="de">
+                <a:solidFill>
+                  <a:srgbClr val="000000"/>
+                </a:solidFill>
+              </a:rPr>
               <a:t>Zielgruppen beachten</a:t>
             </a:r>
-            <a:endParaRPr/>
+            <a:endParaRPr>
+              <a:solidFill>
+                <a:srgbClr val="000000"/>
+              </a:solidFill>
+            </a:endParaRPr>
           </a:p>
           <a:p>
             <a:pPr indent="0" lvl="0" marL="0" rtl="0" algn="l">
@@ -8350,7 +8483,11 @@
             <a:r>
               <a:t/>
             </a:r>
-            <a:endParaRPr/>
+            <a:endParaRPr>
+              <a:solidFill>
+                <a:srgbClr val="000000"/>
+              </a:solidFill>
+            </a:endParaRPr>
           </a:p>
         </p:txBody>
       </p:sp>
@@ -9538,7 +9675,7 @@
             <a:tbl>
               <a:tblPr>
                 <a:noFill/>
-                <a:tableStyleId>{2936C080-E954-47E2-BAD6-923AF4BFD8D2}</a:tableStyleId>
+                <a:tableStyleId>{EC87AA63-F1E3-4A91-86F6-0F4CD8C6E40A}</a:tableStyleId>
               </a:tblPr>
               <a:tblGrid>
                 <a:gridCol w="1640825"/>
@@ -10179,10 +10316,18 @@
               <a:buNone/>
             </a:pPr>
             <a:r>
-              <a:rPr lang="de"/>
-              <a:t>Die Sache mit dem Kontrast</a:t>
-            </a:r>
-            <a:endParaRPr/>
+              <a:rPr lang="de">
+                <a:solidFill>
+                  <a:srgbClr val="000000"/>
+                </a:solidFill>
+              </a:rPr>
+              <a:t>Der BITV Test</a:t>
+            </a:r>
+            <a:endParaRPr>
+              <a:solidFill>
+                <a:srgbClr val="000000"/>
+              </a:solidFill>
+            </a:endParaRPr>
           </a:p>
         </p:txBody>
       </p:sp>
@@ -10224,7 +10369,7 @@
                   <a:srgbClr val="000000"/>
                 </a:solidFill>
               </a:rPr>
-              <a:t>Regeln beachten</a:t>
+              <a:t>Bezieht sich auf BITV 2.0</a:t>
             </a:r>
             <a:endParaRPr>
               <a:solidFill>
@@ -10248,7 +10393,7 @@
                   <a:srgbClr val="000000"/>
                 </a:solidFill>
               </a:rPr>
-              <a:t>Farbenfehlsichtigkeit differenzieren</a:t>
+              <a:t>Industriestandard über Prüfungsverband</a:t>
             </a:r>
             <a:endParaRPr>
               <a:solidFill>
@@ -10262,7 +10407,7 @@
                 <a:spcPts val="1600"/>
               </a:spcBef>
               <a:spcAft>
-                <a:spcPts val="1600"/>
+                <a:spcPts val="0"/>
               </a:spcAft>
               <a:buNone/>
             </a:pPr>
@@ -10272,9 +10417,76 @@
                   <a:srgbClr val="000000"/>
                 </a:solidFill>
               </a:rPr>
-              <a:t>Designkonflikte auflösen</a:t>
+              <a:t>Kommerzielle Anbieter</a:t>
             </a:r>
             <a:endParaRPr>
+              <a:solidFill>
+                <a:srgbClr val="000000"/>
+              </a:solidFill>
+            </a:endParaRPr>
+          </a:p>
+          <a:p>
+            <a:pPr indent="0" lvl="0" marL="0" rtl="0" algn="l">
+              <a:spcBef>
+                <a:spcPts val="1600"/>
+              </a:spcBef>
+              <a:spcAft>
+                <a:spcPts val="0"/>
+              </a:spcAft>
+              <a:buNone/>
+            </a:pPr>
+            <a:r>
+              <a:rPr lang="de">
+                <a:solidFill>
+                  <a:srgbClr val="000000"/>
+                </a:solidFill>
+              </a:rPr>
+              <a:t>60 Prüfschritte offengelegt</a:t>
+            </a:r>
+            <a:endParaRPr>
+              <a:solidFill>
+                <a:srgbClr val="000000"/>
+              </a:solidFill>
+            </a:endParaRPr>
+          </a:p>
+          <a:p>
+            <a:pPr indent="0" lvl="0" marL="0" rtl="0" algn="l">
+              <a:spcBef>
+                <a:spcPts val="1600"/>
+              </a:spcBef>
+              <a:spcAft>
+                <a:spcPts val="0"/>
+              </a:spcAft>
+              <a:buNone/>
+            </a:pPr>
+            <a:r>
+              <a:t/>
+            </a:r>
+            <a:endParaRPr>
+              <a:solidFill>
+                <a:srgbClr val="000000"/>
+              </a:solidFill>
+            </a:endParaRPr>
+          </a:p>
+          <a:p>
+            <a:pPr indent="0" lvl="0" marL="0" rtl="0" algn="l">
+              <a:spcBef>
+                <a:spcPts val="1600"/>
+              </a:spcBef>
+              <a:spcAft>
+                <a:spcPts val="1600"/>
+              </a:spcAft>
+              <a:buNone/>
+            </a:pPr>
+            <a:r>
+              <a:rPr b="1" lang="de">
+                <a:solidFill>
+                  <a:srgbClr val="000000"/>
+                </a:solidFill>
+              </a:rPr>
+              <a:t>Selbstbewertung möglich!</a:t>
+            </a:r>
+            <a:endParaRPr b="1">
               <a:solidFill>
                 <a:srgbClr val="000000"/>
               </a:solidFill>
@@ -10298,8 +10510,8 @@
         </p:blipFill>
         <p:spPr>
           <a:xfrm>
-            <a:off x="4832400" y="1152475"/>
-            <a:ext cx="3416400" cy="3416400"/>
+            <a:off x="4832396" y="1152475"/>
+            <a:ext cx="3238754" cy="3416400"/>
           </a:xfrm>
           <a:prstGeom prst="rect">
             <a:avLst/>
@@ -10368,18 +10580,10 @@
               <a:buNone/>
             </a:pPr>
             <a:r>
-              <a:rPr lang="de">
-                <a:solidFill>
-                  <a:srgbClr val="000000"/>
-                </a:solidFill>
-              </a:rPr>
-              <a:t>Der BITV Test</a:t>
-            </a:r>
-            <a:endParaRPr>
-              <a:solidFill>
-                <a:srgbClr val="000000"/>
-              </a:solidFill>
-            </a:endParaRPr>
+              <a:rPr lang="de"/>
+              <a:t>Google Lighthouse</a:t>
+            </a:r>
+            <a:endParaRPr/>
           </a:p>
         </p:txBody>
       </p:sp>
@@ -10421,7 +10625,7 @@
                   <a:srgbClr val="000000"/>
                 </a:solidFill>
               </a:rPr>
-              <a:t>Bezieht sich auf BITV 2.0</a:t>
+              <a:t>Der erste und einfachste Check</a:t>
             </a:r>
             <a:endParaRPr>
               <a:solidFill>
@@ -10445,7 +10649,7 @@
                   <a:srgbClr val="000000"/>
                 </a:solidFill>
               </a:rPr>
-              <a:t>Industriestandard über Prüfungsverband</a:t>
+              <a:t>100% sind unser Ziel</a:t>
             </a:r>
             <a:endParaRPr>
               <a:solidFill>
@@ -10469,7 +10673,7 @@
                   <a:srgbClr val="000000"/>
                 </a:solidFill>
               </a:rPr>
-              <a:t>Kommerzielle Anbieter</a:t>
+              <a:t>Batch Jobs möglich, z.B. für CI/CD</a:t>
             </a:r>
             <a:endParaRPr>
               <a:solidFill>
@@ -10488,12 +10692,7 @@
               <a:buNone/>
             </a:pPr>
             <a:r>
-              <a:rPr lang="de">
-                <a:solidFill>
-                  <a:srgbClr val="000000"/>
-                </a:solidFill>
-              </a:rPr>
-              <a:t>60 Prüfschritte offengelegt</a:t>
+              <a:t/>
             </a:r>
             <a:endParaRPr>
               <a:solidFill>
@@ -10507,25 +10706,6 @@
                 <a:spcPts val="1600"/>
               </a:spcBef>
               <a:spcAft>
-                <a:spcPts val="0"/>
-              </a:spcAft>
-              <a:buNone/>
-            </a:pPr>
-            <a:r>
-              <a:t/>
-            </a:r>
-            <a:endParaRPr>
-              <a:solidFill>
-                <a:srgbClr val="000000"/>
-              </a:solidFill>
-            </a:endParaRPr>
-          </a:p>
-          <a:p>
-            <a:pPr indent="0" lvl="0" marL="0" rtl="0" algn="l">
-              <a:spcBef>
-                <a:spcPts val="1600"/>
-              </a:spcBef>
-              <a:spcAft>
                 <a:spcPts val="1600"/>
               </a:spcAft>
               <a:buNone/>
@@ -10536,7 +10716,7 @@
                   <a:srgbClr val="000000"/>
                 </a:solidFill>
               </a:rPr>
-              <a:t>Selbstbewertung möglich!</a:t>
+              <a:t>Notwendig, aber nicht hinreichend!</a:t>
             </a:r>
             <a:endParaRPr b="1">
               <a:solidFill>
@@ -10562,8 +10742,8 @@
         </p:blipFill>
         <p:spPr>
           <a:xfrm>
-            <a:off x="4832396" y="1152475"/>
-            <a:ext cx="3238754" cy="3416400"/>
+            <a:off x="4464000" y="1170125"/>
+            <a:ext cx="4527600" cy="3532028"/>
           </a:xfrm>
           <a:prstGeom prst="rect">
             <a:avLst/>
@@ -10633,7 +10813,7 @@
             </a:pPr>
             <a:r>
               <a:rPr lang="de"/>
-              <a:t>Google Lighthouse</a:t>
+              <a:t>Sa11y</a:t>
             </a:r>
             <a:endParaRPr/>
           </a:p>
@@ -10672,10 +10852,18 @@
               <a:buNone/>
             </a:pPr>
             <a:r>
-              <a:rPr lang="de"/>
-              <a:t>Der erste und einfachste Check</a:t>
-            </a:r>
-            <a:endParaRPr/>
+              <a:rPr lang="de">
+                <a:solidFill>
+                  <a:srgbClr val="000000"/>
+                </a:solidFill>
+              </a:rPr>
+              <a:t>Bookmarklet - einfachste Installation</a:t>
+            </a:r>
+            <a:endParaRPr>
+              <a:solidFill>
+                <a:srgbClr val="000000"/>
+              </a:solidFill>
+            </a:endParaRPr>
           </a:p>
           <a:p>
             <a:pPr indent="0" lvl="0" marL="0" rtl="0" algn="l">
@@ -10688,10 +10876,18 @@
               <a:buNone/>
             </a:pPr>
             <a:r>
-              <a:rPr lang="de"/>
-              <a:t>100% sind unser Ziel</a:t>
-            </a:r>
-            <a:endParaRPr/>
+              <a:rPr lang="de">
+                <a:solidFill>
+                  <a:srgbClr val="000000"/>
+                </a:solidFill>
+              </a:rPr>
+              <a:t>Zeigt Abweichungen direkt auf der Seite</a:t>
+            </a:r>
+            <a:endParaRPr>
+              <a:solidFill>
+                <a:srgbClr val="000000"/>
+              </a:solidFill>
+            </a:endParaRPr>
           </a:p>
           <a:p>
             <a:pPr indent="0" lvl="0" marL="0" rtl="0" algn="l">
@@ -10704,10 +10900,13 @@
               <a:buNone/>
             </a:pPr>
             <a:r>
-              <a:rPr lang="de"/>
-              <a:t>Batch Jobs möglich, z.B. für CI/CD</a:t>
-            </a:r>
-            <a:endParaRPr/>
+              <a:t/>
+            </a:r>
+            <a:endParaRPr>
+              <a:solidFill>
+                <a:srgbClr val="000000"/>
+              </a:solidFill>
+            </a:endParaRPr>
           </a:p>
           <a:p>
             <a:pPr indent="0" lvl="0" marL="0" rtl="0" algn="l">
@@ -10715,30 +10914,31 @@
                 <a:spcPts val="1600"/>
               </a:spcBef>
               <a:spcAft>
-                <a:spcPts val="0"/>
-              </a:spcAft>
-              <a:buNone/>
-            </a:pPr>
-            <a:r>
-              <a:t/>
-            </a:r>
-            <a:endParaRPr/>
-          </a:p>
-          <a:p>
-            <a:pPr indent="0" lvl="0" marL="0" rtl="0" algn="l">
-              <a:spcBef>
-                <a:spcPts val="1600"/>
-              </a:spcBef>
-              <a:spcAft>
-                <a:spcPts val="1600"/>
-              </a:spcAft>
-              <a:buNone/>
-            </a:pPr>
-            <a:r>
-              <a:rPr b="1" lang="de"/>
-              <a:t>Notwendig, aber nicht hinreichend!</a:t>
-            </a:r>
-            <a:endParaRPr b="1"/>
+                <a:spcPts val="1600"/>
+              </a:spcAft>
+              <a:buNone/>
+            </a:pPr>
+            <a:r>
+              <a:rPr b="1" lang="de">
+                <a:solidFill>
+                  <a:srgbClr val="000000"/>
+                </a:solidFill>
+              </a:rPr>
+              <a:t>Geeignet für Designer und Redakteure</a:t>
+            </a:r>
+            <a:r>
+              <a:rPr b="1" lang="de">
+                <a:solidFill>
+                  <a:srgbClr val="000000"/>
+                </a:solidFill>
+              </a:rPr>
+              <a:t>!</a:t>
+            </a:r>
+            <a:endParaRPr b="1">
+              <a:solidFill>
+                <a:srgbClr val="000000"/>
+              </a:solidFill>
+            </a:endParaRPr>
           </a:p>
         </p:txBody>
       </p:sp>
@@ -10758,8 +10958,8 @@
         </p:blipFill>
         <p:spPr>
           <a:xfrm>
-            <a:off x="4464000" y="1170125"/>
-            <a:ext cx="4527600" cy="3532028"/>
+            <a:off x="4832396" y="1152475"/>
+            <a:ext cx="2702179" cy="3416400"/>
           </a:xfrm>
           <a:prstGeom prst="rect">
             <a:avLst/>
@@ -10829,7 +11029,7 @@
             </a:pPr>
             <a:r>
               <a:rPr lang="de"/>
-              <a:t>Sa11y</a:t>
+              <a:t>Die Axt im Web - axe-core</a:t>
             </a:r>
             <a:endParaRPr/>
           </a:p>
@@ -10868,82 +11068,159 @@
               <a:buNone/>
             </a:pPr>
             <a:r>
-              <a:rPr lang="de"/>
-              <a:t>Bookmarklet - einfachste Installation</a:t>
+              <a:rPr lang="de">
+                <a:solidFill>
+                  <a:srgbClr val="000000"/>
+                </a:solidFill>
+              </a:rPr>
+              <a:t>Browser Erweiterung für Chrome &amp; Firefox</a:t>
+            </a:r>
+            <a:endParaRPr>
+              <a:solidFill>
+                <a:srgbClr val="000000"/>
+              </a:solidFill>
+            </a:endParaRPr>
+          </a:p>
+          <a:p>
+            <a:pPr indent="0" lvl="0" marL="0" rtl="0" algn="l">
+              <a:spcBef>
+                <a:spcPts val="1600"/>
+              </a:spcBef>
+              <a:spcAft>
+                <a:spcPts val="0"/>
+              </a:spcAft>
+              <a:buNone/>
+            </a:pPr>
+            <a:r>
+              <a:rPr lang="de">
+                <a:solidFill>
+                  <a:srgbClr val="000000"/>
+                </a:solidFill>
+              </a:rPr>
+              <a:t>Kommerzieller Anbieter Deque - </a:t>
+            </a:r>
+            <a:br>
+              <a:rPr lang="de">
+                <a:solidFill>
+                  <a:srgbClr val="000000"/>
+                </a:solidFill>
+              </a:rPr>
+            </a:br>
+            <a:r>
+              <a:rPr lang="de">
+                <a:solidFill>
+                  <a:srgbClr val="000000"/>
+                </a:solidFill>
+              </a:rPr>
+              <a:t>Open Source Tool</a:t>
+            </a:r>
+            <a:endParaRPr>
+              <a:solidFill>
+                <a:srgbClr val="000000"/>
+              </a:solidFill>
+            </a:endParaRPr>
+          </a:p>
+          <a:p>
+            <a:pPr indent="0" lvl="0" marL="0" rtl="0" algn="l">
+              <a:spcBef>
+                <a:spcPts val="1600"/>
+              </a:spcBef>
+              <a:spcAft>
+                <a:spcPts val="0"/>
+              </a:spcAft>
+              <a:buNone/>
+            </a:pPr>
+            <a:r>
+              <a:t/>
+            </a:r>
+            <a:endParaRPr>
+              <a:solidFill>
+                <a:srgbClr val="000000"/>
+              </a:solidFill>
+            </a:endParaRPr>
+          </a:p>
+          <a:p>
+            <a:pPr indent="0" lvl="0" marL="0" rtl="0" algn="l">
+              <a:spcBef>
+                <a:spcPts val="1600"/>
+              </a:spcBef>
+              <a:spcAft>
+                <a:spcPts val="1600"/>
+              </a:spcAft>
+              <a:buNone/>
+            </a:pPr>
+            <a:r>
+              <a:rPr b="1" lang="de">
+                <a:solidFill>
+                  <a:srgbClr val="000000"/>
+                </a:solidFill>
+              </a:rPr>
+              <a:t>Ab hier ist der Tester gefordert!</a:t>
+            </a:r>
+            <a:endParaRPr b="1">
+              <a:solidFill>
+                <a:srgbClr val="000000"/>
+              </a:solidFill>
+            </a:endParaRPr>
+          </a:p>
+        </p:txBody>
+      </p:sp>
+      <p:sp>
+        <p:nvSpPr>
+          <p:cNvPr id="107" name="Google Shape;107;p21"/>
+          <p:cNvSpPr txBox="1"/>
+          <p:nvPr>
+            <p:ph idx="2" type="body"/>
+          </p:nvPr>
+        </p:nvSpPr>
+        <p:spPr>
+          <a:xfrm>
+            <a:off x="4832400" y="1152475"/>
+            <a:ext cx="3999900" cy="3416400"/>
+          </a:xfrm>
+          <a:prstGeom prst="rect">
+            <a:avLst/>
+          </a:prstGeom>
+        </p:spPr>
+        <p:txBody>
+          <a:bodyPr anchorCtr="0" anchor="t" bIns="91425" lIns="91425" spcFirstLastPara="1" rIns="91425" wrap="square" tIns="91425">
+            <a:noAutofit/>
+          </a:bodyPr>
+          <a:lstStyle/>
+          <a:p>
+            <a:pPr indent="0" lvl="0" marL="0" rtl="0" algn="l">
+              <a:spcBef>
+                <a:spcPts val="0"/>
+              </a:spcBef>
+              <a:spcAft>
+                <a:spcPts val="1600"/>
+              </a:spcAft>
+              <a:buNone/>
+            </a:pPr>
+            <a:r>
+              <a:t/>
             </a:r>
             <a:endParaRPr/>
-          </a:p>
-          <a:p>
-            <a:pPr indent="0" lvl="0" marL="0" rtl="0" algn="l">
-              <a:spcBef>
-                <a:spcPts val="1600"/>
-              </a:spcBef>
-              <a:spcAft>
-                <a:spcPts val="0"/>
-              </a:spcAft>
-              <a:buNone/>
-            </a:pPr>
-            <a:r>
-              <a:rPr lang="de"/>
-              <a:t>Zeigt Abweichungen direkt auf der Seite</a:t>
-            </a:r>
-            <a:endParaRPr/>
-          </a:p>
-          <a:p>
-            <a:pPr indent="0" lvl="0" marL="0" rtl="0" algn="l">
-              <a:spcBef>
-                <a:spcPts val="1600"/>
-              </a:spcBef>
-              <a:spcAft>
-                <a:spcPts val="0"/>
-              </a:spcAft>
-              <a:buNone/>
-            </a:pPr>
-            <a:r>
-              <a:t/>
-            </a:r>
-            <a:endParaRPr/>
-          </a:p>
-          <a:p>
-            <a:pPr indent="0" lvl="0" marL="0" rtl="0" algn="l">
-              <a:spcBef>
-                <a:spcPts val="1600"/>
-              </a:spcBef>
-              <a:spcAft>
-                <a:spcPts val="1600"/>
-              </a:spcAft>
-              <a:buNone/>
-            </a:pPr>
-            <a:r>
-              <a:rPr b="1" lang="de"/>
-              <a:t>Geeignet für Designer und Redakteure</a:t>
-            </a:r>
-            <a:r>
-              <a:rPr b="1" lang="de"/>
-              <a:t>!</a:t>
-            </a:r>
-            <a:endParaRPr b="1"/>
           </a:p>
         </p:txBody>
       </p:sp>
       <p:pic>
         <p:nvPicPr>
-          <p:cNvPr id="107" name="Google Shape;107;p21"/>
+          <p:cNvPr id="108" name="Google Shape;108;p21"/>
           <p:cNvPicPr preferRelativeResize="0"/>
           <p:nvPr/>
         </p:nvPicPr>
-        <p:blipFill>
+        <p:blipFill rotWithShape="1">
           <a:blip r:embed="rId3">
             <a:alphaModFix/>
           </a:blip>
-          <a:stretch>
-            <a:fillRect/>
-          </a:stretch>
+          <a:srcRect b="33576" l="0" r="0" t="0"/>
+          <a:stretch/>
         </p:blipFill>
         <p:spPr>
           <a:xfrm>
-            <a:off x="4832396" y="1152475"/>
-            <a:ext cx="2702179" cy="3416400"/>
+            <a:off x="4832400" y="1152475"/>
+            <a:ext cx="3793749" cy="3416401"/>
           </a:xfrm>
           <a:prstGeom prst="rect">
             <a:avLst/>
@@ -10963,6 +11240,285 @@
 </file>
 
 <file path=ppt/theme/theme1.xml><?xml version="1.0" encoding="utf-8"?>
+<a:theme xmlns:a="http://schemas.openxmlformats.org/drawingml/2006/main" xmlns:r="http://schemas.openxmlformats.org/officeDocument/2006/relationships">
+  <a:themeElements>
+    <a:clrScheme name="Default">
+      <a:dk1>
+        <a:srgbClr val="000000"/>
+      </a:dk1>
+      <a:lt1>
+        <a:srgbClr val="FFFFFF"/>
+      </a:lt1>
+      <a:dk2>
+        <a:srgbClr val="158158"/>
+      </a:dk2>
+      <a:lt2>
+        <a:srgbClr val="F3F3F3"/>
+      </a:lt2>
+      <a:accent1>
+        <a:srgbClr val="058DC7"/>
+      </a:accent1>
+      <a:accent2>
+        <a:srgbClr val="50B432"/>
+      </a:accent2>
+      <a:accent3>
+        <a:srgbClr val="ED561B"/>
+      </a:accent3>
+      <a:accent4>
+        <a:srgbClr val="EDEF00"/>
+      </a:accent4>
+      <a:accent5>
+        <a:srgbClr val="24CBE5"/>
+      </a:accent5>
+      <a:accent6>
+        <a:srgbClr val="64E572"/>
+      </a:accent6>
+      <a:hlink>
+        <a:srgbClr val="2200CC"/>
+      </a:hlink>
+      <a:folHlink>
+        <a:srgbClr val="551A8B"/>
+      </a:folHlink>
+    </a:clrScheme>
+    <a:fontScheme name="Office">
+      <a:majorFont>
+        <a:latin typeface="Arial"/>
+        <a:ea typeface=""/>
+        <a:cs typeface=""/>
+        <a:font script="Jpan" typeface="ＭＳ Ｐゴシック"/>
+        <a:font script="Hang" typeface="맑은 고딕"/>
+        <a:font script="Hans" typeface="宋体"/>
+        <a:font script="Hant" typeface="新細明體"/>
+        <a:font script="Arab" typeface="Times New Roman"/>
+        <a:font script="Hebr" typeface="Times New Roman"/>
+        <a:font script="Thai" typeface="Angsana New"/>
+        <a:font script="Ethi" typeface="Nyala"/>
+        <a:font script="Beng" typeface="Vrinda"/>
+        <a:font script="Gujr" typeface="Shruti"/>
+        <a:font script="Khmr" typeface="MoolBoran"/>
+        <a:font script="Knda" typeface="Tunga"/>
+        <a:font script="Guru" typeface="Raavi"/>
+        <a:font script="Cans" typeface="Euphemia"/>
+        <a:font script="Cher" typeface="Plantagenet Cherokee"/>
+        <a:font script="Yiii" typeface="Microsoft Yi Baiti"/>
+        <a:font script="Tibt" typeface="Microsoft Himalaya"/>
+        <a:font script="Thaa" typeface="MV Boli"/>
+        <a:font script="Deva" typeface="Mangal"/>
+        <a:font script="Telu" typeface="Gautami"/>
+        <a:font script="Taml" typeface="Latha"/>
+        <a:font script="Syrc" typeface="Estrangelo Edessa"/>
+        <a:font script="Orya" typeface="Kalinga"/>
+        <a:font script="Mlym" typeface="Kartika"/>
+        <a:font script="Laoo" typeface="DokChampa"/>
+        <a:font script="Sinh" typeface="Iskoola Pota"/>
+        <a:font script="Mong" typeface="Mongolian Baiti"/>
+        <a:font script="Viet" typeface="Times New Roman"/>
+        <a:font script="Uigh" typeface="Microsoft Uighur"/>
+        <a:font script="Geor" typeface="Sylfaen"/>
+      </a:majorFont>
+      <a:minorFont>
+        <a:latin typeface="Arial"/>
+        <a:ea typeface=""/>
+        <a:cs typeface=""/>
+        <a:font script="Jpan" typeface="ＭＳ Ｐゴシック"/>
+        <a:font script="Hang" typeface="맑은 고딕"/>
+        <a:font script="Hans" typeface="宋体"/>
+        <a:font script="Hant" typeface="新細明體"/>
+        <a:font script="Arab" typeface="Arial"/>
+        <a:font script="Hebr" typeface="Arial"/>
+        <a:font script="Thai" typeface="Cordia New"/>
+        <a:font script="Ethi" typeface="Nyala"/>
+        <a:font script="Beng" typeface="Vrinda"/>
+        <a:font script="Gujr" typeface="Shruti"/>
+        <a:font script="Khmr" typeface="DaunPenh"/>
+        <a:font script="Knda" typeface="Tunga"/>
+        <a:font script="Guru" typeface="Raavi"/>
+        <a:font script="Cans" typeface="Euphemia"/>
+        <a:font script="Cher" typeface="Plantagenet Cherokee"/>
+        <a:font script="Yiii" typeface="Microsoft Yi Baiti"/>
+        <a:font script="Tibt" typeface="Microsoft Himalaya"/>
+        <a:font script="Thaa" typeface="MV Boli"/>
+        <a:font script="Deva" typeface="Mangal"/>
+        <a:font script="Telu" typeface="Gautami"/>
+        <a:font script="Taml" typeface="Latha"/>
+        <a:font script="Syrc" typeface="Estrangelo Edessa"/>
+        <a:font script="Orya" typeface="Kalinga"/>
+        <a:font script="Mlym" typeface="Kartika"/>
+        <a:font script="Laoo" typeface="DokChampa"/>
+        <a:font script="Sinh" typeface="Iskoola Pota"/>
+        <a:font script="Mong" typeface="Mongolian Baiti"/>
+        <a:font script="Viet" typeface="Arial"/>
+        <a:font script="Uigh" typeface="Microsoft Uighur"/>
+        <a:font script="Geor" typeface="Sylfaen"/>
+      </a:minorFont>
+    </a:fontScheme>
+    <a:fmtScheme name="Office">
+      <a:fillStyleLst>
+        <a:solidFill>
+          <a:schemeClr val="phClr"/>
+        </a:solidFill>
+        <a:gradFill rotWithShape="1">
+          <a:gsLst>
+            <a:gs pos="0">
+              <a:schemeClr val="phClr">
+                <a:tint val="50000"/>
+                <a:satMod val="300000"/>
+              </a:schemeClr>
+            </a:gs>
+            <a:gs pos="35000">
+              <a:schemeClr val="phClr">
+                <a:tint val="37000"/>
+                <a:satMod val="300000"/>
+              </a:schemeClr>
+            </a:gs>
+            <a:gs pos="100000">
+              <a:schemeClr val="phClr">
+                <a:tint val="15000"/>
+                <a:satMod val="350000"/>
+              </a:schemeClr>
+            </a:gs>
+          </a:gsLst>
+          <a:lin ang="16200000" scaled="1"/>
+        </a:gradFill>
+        <a:gradFill rotWithShape="1">
+          <a:gsLst>
+            <a:gs pos="0">
+              <a:schemeClr val="phClr">
+                <a:tint val="100000"/>
+                <a:shade val="100000"/>
+                <a:satMod val="130000"/>
+              </a:schemeClr>
+            </a:gs>
+            <a:gs pos="100000">
+              <a:schemeClr val="phClr">
+                <a:tint val="50000"/>
+                <a:shade val="100000"/>
+                <a:satMod val="350000"/>
+              </a:schemeClr>
+            </a:gs>
+          </a:gsLst>
+          <a:lin ang="16200000" scaled="0"/>
+        </a:gradFill>
+      </a:fillStyleLst>
+      <a:lnStyleLst>
+        <a:ln w="9525" cap="flat" cmpd="sng" algn="ctr">
+          <a:solidFill>
+            <a:schemeClr val="phClr">
+              <a:shade val="95000"/>
+              <a:satMod val="105000"/>
+            </a:schemeClr>
+          </a:solidFill>
+          <a:prstDash val="solid"/>
+        </a:ln>
+        <a:ln w="25400" cap="flat" cmpd="sng" algn="ctr">
+          <a:solidFill>
+            <a:schemeClr val="phClr"/>
+          </a:solidFill>
+          <a:prstDash val="solid"/>
+        </a:ln>
+        <a:ln w="38100" cap="flat" cmpd="sng" algn="ctr">
+          <a:solidFill>
+            <a:schemeClr val="phClr"/>
+          </a:solidFill>
+          <a:prstDash val="solid"/>
+        </a:ln>
+      </a:lnStyleLst>
+      <a:effectStyleLst>
+        <a:effectStyle>
+          <a:effectLst>
+            <a:outerShdw blurRad="40000" dist="20000" dir="5400000" rotWithShape="0">
+              <a:srgbClr val="000000">
+                <a:alpha val="38000"/>
+              </a:srgbClr>
+            </a:outerShdw>
+          </a:effectLst>
+        </a:effectStyle>
+        <a:effectStyle>
+          <a:effectLst>
+            <a:outerShdw blurRad="40000" dist="23000" dir="5400000" rotWithShape="0">
+              <a:srgbClr val="000000">
+                <a:alpha val="35000"/>
+              </a:srgbClr>
+            </a:outerShdw>
+          </a:effectLst>
+        </a:effectStyle>
+        <a:effectStyle>
+          <a:effectLst>
+            <a:outerShdw blurRad="40000" dist="23000" dir="5400000" rotWithShape="0">
+              <a:srgbClr val="000000">
+                <a:alpha val="35000"/>
+              </a:srgbClr>
+            </a:outerShdw>
+          </a:effectLst>
+          <a:scene3d>
+            <a:camera prst="orthographicFront">
+              <a:rot lat="0" lon="0" rev="0"/>
+            </a:camera>
+            <a:lightRig rig="threePt" dir="t">
+              <a:rot lat="0" lon="0" rev="1200000"/>
+            </a:lightRig>
+          </a:scene3d>
+          <a:sp3d>
+            <a:bevelT w="63500" h="25400"/>
+          </a:sp3d>
+        </a:effectStyle>
+      </a:effectStyleLst>
+      <a:bgFillStyleLst>
+        <a:solidFill>
+          <a:schemeClr val="phClr"/>
+        </a:solidFill>
+        <a:gradFill rotWithShape="1">
+          <a:gsLst>
+            <a:gs pos="0">
+              <a:schemeClr val="phClr">
+                <a:tint val="40000"/>
+                <a:satMod val="350000"/>
+              </a:schemeClr>
+            </a:gs>
+            <a:gs pos="40000">
+              <a:schemeClr val="phClr">
+                <a:tint val="45000"/>
+                <a:shade val="99000"/>
+                <a:satMod val="350000"/>
+              </a:schemeClr>
+            </a:gs>
+            <a:gs pos="100000">
+              <a:schemeClr val="phClr">
+                <a:shade val="20000"/>
+                <a:satMod val="255000"/>
+              </a:schemeClr>
+            </a:gs>
+          </a:gsLst>
+          <a:path path="circle">
+            <a:fillToRect l="50000" t="-80000" r="50000" b="180000"/>
+          </a:path>
+        </a:gradFill>
+        <a:gradFill rotWithShape="1">
+          <a:gsLst>
+            <a:gs pos="0">
+              <a:schemeClr val="phClr">
+                <a:tint val="80000"/>
+                <a:satMod val="300000"/>
+              </a:schemeClr>
+            </a:gs>
+            <a:gs pos="100000">
+              <a:schemeClr val="phClr">
+                <a:shade val="30000"/>
+                <a:satMod val="200000"/>
+              </a:schemeClr>
+            </a:gs>
+          </a:gsLst>
+          <a:path path="circle">
+            <a:fillToRect l="50000" t="50000" r="50000" b="50000"/>
+          </a:path>
+        </a:gradFill>
+      </a:bgFillStyleLst>
+    </a:fmtScheme>
+  </a:themeElements>
+</a:theme>
+</file>
+
+<file path=ppt/theme/theme2.xml><?xml version="1.0" encoding="utf-8"?>
 <a:theme xmlns:a="http://schemas.openxmlformats.org/drawingml/2006/main" xmlns:r="http://schemas.openxmlformats.org/officeDocument/2006/relationships" name="Simple Light">
   <a:themeElements>
     <a:clrScheme name="Simple Light">
@@ -11239,283 +11795,4 @@
     </a:fmtScheme>
   </a:themeElements>
 </a:theme>
-</file>
-
-<file path=ppt/theme/theme2.xml><?xml version="1.0" encoding="utf-8"?>
-<a:theme xmlns:a="http://schemas.openxmlformats.org/drawingml/2006/main" xmlns:r="http://schemas.openxmlformats.org/officeDocument/2006/relationships">
-  <a:themeElements>
-    <a:clrScheme name="Default">
-      <a:dk1>
-        <a:srgbClr val="000000"/>
-      </a:dk1>
-      <a:lt1>
-        <a:srgbClr val="FFFFFF"/>
-      </a:lt1>
-      <a:dk2>
-        <a:srgbClr val="158158"/>
-      </a:dk2>
-      <a:lt2>
-        <a:srgbClr val="F3F3F3"/>
-      </a:lt2>
-      <a:accent1>
-        <a:srgbClr val="058DC7"/>
-      </a:accent1>
-      <a:accent2>
-        <a:srgbClr val="50B432"/>
-      </a:accent2>
-      <a:accent3>
-        <a:srgbClr val="ED561B"/>
-      </a:accent3>
-      <a:accent4>
-        <a:srgbClr val="EDEF00"/>
-      </a:accent4>
-      <a:accent5>
-        <a:srgbClr val="24CBE5"/>
-      </a:accent5>
-      <a:accent6>
-        <a:srgbClr val="64E572"/>
-      </a:accent6>
-      <a:hlink>
-        <a:srgbClr val="2200CC"/>
-      </a:hlink>
-      <a:folHlink>
-        <a:srgbClr val="551A8B"/>
-      </a:folHlink>
-    </a:clrScheme>
-    <a:fontScheme name="Office">
-      <a:majorFont>
-        <a:latin typeface="Arial"/>
-        <a:ea typeface=""/>
-        <a:cs typeface=""/>
-        <a:font script="Jpan" typeface="ＭＳ Ｐゴシック"/>
-        <a:font script="Hang" typeface="맑은 고딕"/>
-        <a:font script="Hans" typeface="宋体"/>
-        <a:font script="Hant" typeface="新細明體"/>
-        <a:font script="Arab" typeface="Times New Roman"/>
-        <a:font script="Hebr" typeface="Times New Roman"/>
-        <a:font script="Thai" typeface="Angsana New"/>
-        <a:font script="Ethi" typeface="Nyala"/>
-        <a:font script="Beng" typeface="Vrinda"/>
-        <a:font script="Gujr" typeface="Shruti"/>
-        <a:font script="Khmr" typeface="MoolBoran"/>
-        <a:font script="Knda" typeface="Tunga"/>
-        <a:font script="Guru" typeface="Raavi"/>
-        <a:font script="Cans" typeface="Euphemia"/>
-        <a:font script="Cher" typeface="Plantagenet Cherokee"/>
-        <a:font script="Yiii" typeface="Microsoft Yi Baiti"/>
-        <a:font script="Tibt" typeface="Microsoft Himalaya"/>
-        <a:font script="Thaa" typeface="MV Boli"/>
-        <a:font script="Deva" typeface="Mangal"/>
-        <a:font script="Telu" typeface="Gautami"/>
-        <a:font script="Taml" typeface="Latha"/>
-        <a:font script="Syrc" typeface="Estrangelo Edessa"/>
-        <a:font script="Orya" typeface="Kalinga"/>
-        <a:font script="Mlym" typeface="Kartika"/>
-        <a:font script="Laoo" typeface="DokChampa"/>
-        <a:font script="Sinh" typeface="Iskoola Pota"/>
-        <a:font script="Mong" typeface="Mongolian Baiti"/>
-        <a:font script="Viet" typeface="Times New Roman"/>
-        <a:font script="Uigh" typeface="Microsoft Uighur"/>
-        <a:font script="Geor" typeface="Sylfaen"/>
-      </a:majorFont>
-      <a:minorFont>
-        <a:latin typeface="Arial"/>
-        <a:ea typeface=""/>
-        <a:cs typeface=""/>
-        <a:font script="Jpan" typeface="ＭＳ Ｐゴシック"/>
-        <a:font script="Hang" typeface="맑은 고딕"/>
-        <a:font script="Hans" typeface="宋体"/>
-        <a:font script="Hant" typeface="新細明體"/>
-        <a:font script="Arab" typeface="Arial"/>
-        <a:font script="Hebr" typeface="Arial"/>
-        <a:font script="Thai" typeface="Cordia New"/>
-        <a:font script="Ethi" typeface="Nyala"/>
-        <a:font script="Beng" typeface="Vrinda"/>
-        <a:font script="Gujr" typeface="Shruti"/>
-        <a:font script="Khmr" typeface="DaunPenh"/>
-        <a:font script="Knda" typeface="Tunga"/>
-        <a:font script="Guru" typeface="Raavi"/>
-        <a:font script="Cans" typeface="Euphemia"/>
-        <a:font script="Cher" typeface="Plantagenet Cherokee"/>
-        <a:font script="Yiii" typeface="Microsoft Yi Baiti"/>
-        <a:font script="Tibt" typeface="Microsoft Himalaya"/>
-        <a:font script="Thaa" typeface="MV Boli"/>
-        <a:font script="Deva" typeface="Mangal"/>
-        <a:font script="Telu" typeface="Gautami"/>
-        <a:font script="Taml" typeface="Latha"/>
-        <a:font script="Syrc" typeface="Estrangelo Edessa"/>
-        <a:font script="Orya" typeface="Kalinga"/>
-        <a:font script="Mlym" typeface="Kartika"/>
-        <a:font script="Laoo" typeface="DokChampa"/>
-        <a:font script="Sinh" typeface="Iskoola Pota"/>
-        <a:font script="Mong" typeface="Mongolian Baiti"/>
-        <a:font script="Viet" typeface="Arial"/>
-        <a:font script="Uigh" typeface="Microsoft Uighur"/>
-        <a:font script="Geor" typeface="Sylfaen"/>
-      </a:minorFont>
-    </a:fontScheme>
-    <a:fmtScheme name="Office">
-      <a:fillStyleLst>
-        <a:solidFill>
-          <a:schemeClr val="phClr"/>
-        </a:solidFill>
-        <a:gradFill rotWithShape="1">
-          <a:gsLst>
-            <a:gs pos="0">
-              <a:schemeClr val="phClr">
-                <a:tint val="50000"/>
-                <a:satMod val="300000"/>
-              </a:schemeClr>
-            </a:gs>
-            <a:gs pos="35000">
-              <a:schemeClr val="phClr">
-                <a:tint val="37000"/>
-                <a:satMod val="300000"/>
-              </a:schemeClr>
-            </a:gs>
-            <a:gs pos="100000">
-              <a:schemeClr val="phClr">
-                <a:tint val="15000"/>
-                <a:satMod val="350000"/>
-              </a:schemeClr>
-            </a:gs>
-          </a:gsLst>
-          <a:lin ang="16200000" scaled="1"/>
-        </a:gradFill>
-        <a:gradFill rotWithShape="1">
-          <a:gsLst>
-            <a:gs pos="0">
-              <a:schemeClr val="phClr">
-                <a:tint val="100000"/>
-                <a:shade val="100000"/>
-                <a:satMod val="130000"/>
-              </a:schemeClr>
-            </a:gs>
-            <a:gs pos="100000">
-              <a:schemeClr val="phClr">
-                <a:tint val="50000"/>
-                <a:shade val="100000"/>
-                <a:satMod val="350000"/>
-              </a:schemeClr>
-            </a:gs>
-          </a:gsLst>
-          <a:lin ang="16200000" scaled="0"/>
-        </a:gradFill>
-      </a:fillStyleLst>
-      <a:lnStyleLst>
-        <a:ln w="9525" cap="flat" cmpd="sng" algn="ctr">
-          <a:solidFill>
-            <a:schemeClr val="phClr">
-              <a:shade val="95000"/>
-              <a:satMod val="105000"/>
-            </a:schemeClr>
-          </a:solidFill>
-          <a:prstDash val="solid"/>
-        </a:ln>
-        <a:ln w="25400" cap="flat" cmpd="sng" algn="ctr">
-          <a:solidFill>
-            <a:schemeClr val="phClr"/>
-          </a:solidFill>
-          <a:prstDash val="solid"/>
-        </a:ln>
-        <a:ln w="38100" cap="flat" cmpd="sng" algn="ctr">
-          <a:solidFill>
-            <a:schemeClr val="phClr"/>
-          </a:solidFill>
-          <a:prstDash val="solid"/>
-        </a:ln>
-      </a:lnStyleLst>
-      <a:effectStyleLst>
-        <a:effectStyle>
-          <a:effectLst>
-            <a:outerShdw blurRad="40000" dist="20000" dir="5400000" rotWithShape="0">
-              <a:srgbClr val="000000">
-                <a:alpha val="38000"/>
-              </a:srgbClr>
-            </a:outerShdw>
-          </a:effectLst>
-        </a:effectStyle>
-        <a:effectStyle>
-          <a:effectLst>
-            <a:outerShdw blurRad="40000" dist="23000" dir="5400000" rotWithShape="0">
-              <a:srgbClr val="000000">
-                <a:alpha val="35000"/>
-              </a:srgbClr>
-            </a:outerShdw>
-          </a:effectLst>
-        </a:effectStyle>
-        <a:effectStyle>
-          <a:effectLst>
-            <a:outerShdw blurRad="40000" dist="23000" dir="5400000" rotWithShape="0">
-              <a:srgbClr val="000000">
-                <a:alpha val="35000"/>
-              </a:srgbClr>
-            </a:outerShdw>
-          </a:effectLst>
-          <a:scene3d>
-            <a:camera prst="orthographicFront">
-              <a:rot lat="0" lon="0" rev="0"/>
-            </a:camera>
-            <a:lightRig rig="threePt" dir="t">
-              <a:rot lat="0" lon="0" rev="1200000"/>
-            </a:lightRig>
-          </a:scene3d>
-          <a:sp3d>
-            <a:bevelT w="63500" h="25400"/>
-          </a:sp3d>
-        </a:effectStyle>
-      </a:effectStyleLst>
-      <a:bgFillStyleLst>
-        <a:solidFill>
-          <a:schemeClr val="phClr"/>
-        </a:solidFill>
-        <a:gradFill rotWithShape="1">
-          <a:gsLst>
-            <a:gs pos="0">
-              <a:schemeClr val="phClr">
-                <a:tint val="40000"/>
-                <a:satMod val="350000"/>
-              </a:schemeClr>
-            </a:gs>
-            <a:gs pos="40000">
-              <a:schemeClr val="phClr">
-                <a:tint val="45000"/>
-                <a:shade val="99000"/>
-                <a:satMod val="350000"/>
-              </a:schemeClr>
-            </a:gs>
-            <a:gs pos="100000">
-              <a:schemeClr val="phClr">
-                <a:shade val="20000"/>
-                <a:satMod val="255000"/>
-              </a:schemeClr>
-            </a:gs>
-          </a:gsLst>
-          <a:path path="circle">
-            <a:fillToRect l="50000" t="-80000" r="50000" b="180000"/>
-          </a:path>
-        </a:gradFill>
-        <a:gradFill rotWithShape="1">
-          <a:gsLst>
-            <a:gs pos="0">
-              <a:schemeClr val="phClr">
-                <a:tint val="80000"/>
-                <a:satMod val="300000"/>
-              </a:schemeClr>
-            </a:gs>
-            <a:gs pos="100000">
-              <a:schemeClr val="phClr">
-                <a:shade val="30000"/>
-                <a:satMod val="200000"/>
-              </a:schemeClr>
-            </a:gs>
-          </a:gsLst>
-          <a:path path="circle">
-            <a:fillToRect l="50000" t="50000" r="50000" b="50000"/>
-          </a:path>
-        </a:gradFill>
-      </a:bgFillStyleLst>
-    </a:fmtScheme>
-  </a:themeElements>
-</a:theme>
 </file>